--- a/Presentation/Team-5_Project-Presentation.pptx
+++ b/Presentation/Team-5_Project-Presentation.pptx
@@ -4761,7 +4761,7 @@
         </p:blipFill>
         <p:spPr>
           <a:xfrm>
-            <a:off x="298168" y="1853441"/>
+            <a:off x="298168" y="2492896"/>
             <a:ext cx="2879078" cy="3126945"/>
           </a:xfrm>
           <a:prstGeom prst="rect">
@@ -4791,7 +4791,7 @@
         </p:blipFill>
         <p:spPr>
           <a:xfrm>
-            <a:off x="3177246" y="1865527"/>
+            <a:off x="3177246" y="2504982"/>
             <a:ext cx="2879078" cy="3126945"/>
           </a:xfrm>
           <a:prstGeom prst="rect">
@@ -4821,8 +4821,68 @@
         </p:blipFill>
         <p:spPr>
           <a:xfrm>
-            <a:off x="6084168" y="1865527"/>
+            <a:off x="6084168" y="2504982"/>
             <a:ext cx="2879078" cy="3126945"/>
+          </a:xfrm>
+          <a:prstGeom prst="rect">
+            <a:avLst/>
+          </a:prstGeom>
+        </p:spPr>
+      </p:pic>
+      <p:pic>
+        <p:nvPicPr>
+          <p:cNvPr id="5" name="Grafik 4">
+            <a:extLst>
+              <a:ext uri="{FF2B5EF4-FFF2-40B4-BE49-F238E27FC236}">
+                <a16:creationId xmlns:a16="http://schemas.microsoft.com/office/drawing/2014/main" id="{C7DA777A-8E08-441E-B67F-682FBE876640}"/>
+              </a:ext>
+            </a:extLst>
+          </p:cNvPr>
+          <p:cNvPicPr>
+            <a:picLocks noChangeAspect="1"/>
+          </p:cNvPicPr>
+          <p:nvPr/>
+        </p:nvPicPr>
+        <p:blipFill>
+          <a:blip r:embed="rId5"/>
+          <a:stretch>
+            <a:fillRect/>
+          </a:stretch>
+        </p:blipFill>
+        <p:spPr>
+          <a:xfrm>
+            <a:off x="5595230" y="451569"/>
+            <a:ext cx="3368016" cy="808452"/>
+          </a:xfrm>
+          <a:prstGeom prst="rect">
+            <a:avLst/>
+          </a:prstGeom>
+        </p:spPr>
+      </p:pic>
+      <p:pic>
+        <p:nvPicPr>
+          <p:cNvPr id="8" name="Grafik 7">
+            <a:extLst>
+              <a:ext uri="{FF2B5EF4-FFF2-40B4-BE49-F238E27FC236}">
+                <a16:creationId xmlns:a16="http://schemas.microsoft.com/office/drawing/2014/main" id="{0F6B0960-F033-40C8-988A-C1E4770FA68F}"/>
+              </a:ext>
+            </a:extLst>
+          </p:cNvPr>
+          <p:cNvPicPr>
+            <a:picLocks noChangeAspect="1"/>
+          </p:cNvPicPr>
+          <p:nvPr/>
+        </p:nvPicPr>
+        <p:blipFill>
+          <a:blip r:embed="rId6"/>
+          <a:stretch>
+            <a:fillRect/>
+          </a:stretch>
+        </p:blipFill>
+        <p:spPr>
+          <a:xfrm>
+            <a:off x="5595230" y="1247813"/>
+            <a:ext cx="3368016" cy="741027"/>
           </a:xfrm>
           <a:prstGeom prst="rect">
             <a:avLst/>
@@ -5697,7 +5757,7 @@
         <p:spPr>
           <a:xfrm>
             <a:off x="611560" y="1916832"/>
-            <a:ext cx="4320480" cy="3970318"/>
+            <a:ext cx="4320480" cy="4185761"/>
           </a:xfrm>
           <a:prstGeom prst="rect">
             <a:avLst/>
@@ -5719,7 +5779,22 @@
                 <a:latin typeface="Calibri" pitchFamily="34" charset="0"/>
                 <a:cs typeface="Calibri" pitchFamily="34" charset="0"/>
               </a:rPr>
-              <a:t>Public</a:t>
+              <a:t>Public </a:t>
+            </a:r>
+            <a:r>
+              <a:rPr lang="de-AT" sz="1400" dirty="0">
+                <a:latin typeface="Calibri" pitchFamily="34" charset="0"/>
+                <a:cs typeface="Calibri" pitchFamily="34" charset="0"/>
+                <a:sym typeface="Wingdings" panose="05000000000000000000" pitchFamily="2" charset="2"/>
+              </a:rPr>
+              <a:t> </a:t>
+            </a:r>
+            <a:r>
+              <a:rPr lang="de-AT" sz="1400" dirty="0">
+                <a:latin typeface="Calibri" pitchFamily="34" charset="0"/>
+                <a:cs typeface="Calibri" pitchFamily="34" charset="0"/>
+              </a:rPr>
+              <a:t>Marko</a:t>
             </a:r>
           </a:p>
           <a:p>
@@ -5897,6 +5972,68 @@
               <a:buAutoNum type="arabicPeriod"/>
             </a:pPr>
             <a:r>
+              <a:rPr lang="de-AT" sz="1400" dirty="0" err="1">
+                <a:latin typeface="Calibri" pitchFamily="34" charset="0"/>
+                <a:cs typeface="Calibri" pitchFamily="34" charset="0"/>
+              </a:rPr>
+              <a:t>Product</a:t>
+            </a:r>
+            <a:r>
+              <a:rPr lang="de-AT" sz="1400" dirty="0">
+                <a:latin typeface="Calibri" pitchFamily="34" charset="0"/>
+                <a:cs typeface="Calibri" pitchFamily="34" charset="0"/>
+              </a:rPr>
+              <a:t> Catalog (</a:t>
+            </a:r>
+            <a:r>
+              <a:rPr lang="de-AT" sz="1400" dirty="0" err="1">
+                <a:latin typeface="Calibri" pitchFamily="34" charset="0"/>
+                <a:cs typeface="Calibri" pitchFamily="34" charset="0"/>
+              </a:rPr>
+              <a:t>filter</a:t>
+            </a:r>
+            <a:r>
+              <a:rPr lang="de-AT" sz="1400" dirty="0">
+                <a:latin typeface="Calibri" pitchFamily="34" charset="0"/>
+                <a:cs typeface="Calibri" pitchFamily="34" charset="0"/>
+              </a:rPr>
+              <a:t>, </a:t>
+            </a:r>
+            <a:r>
+              <a:rPr lang="de-AT" sz="1400" dirty="0" err="1">
+                <a:latin typeface="Calibri" pitchFamily="34" charset="0"/>
+                <a:cs typeface="Calibri" pitchFamily="34" charset="0"/>
+              </a:rPr>
+              <a:t>sort</a:t>
+            </a:r>
+            <a:r>
+              <a:rPr lang="de-AT" sz="1400" dirty="0">
+                <a:latin typeface="Calibri" pitchFamily="34" charset="0"/>
+                <a:cs typeface="Calibri" pitchFamily="34" charset="0"/>
+              </a:rPr>
+              <a:t>, </a:t>
+            </a:r>
+            <a:r>
+              <a:rPr lang="de-AT" sz="1400" dirty="0" err="1">
+                <a:latin typeface="Calibri" pitchFamily="34" charset="0"/>
+                <a:cs typeface="Calibri" pitchFamily="34" charset="0"/>
+              </a:rPr>
+              <a:t>search</a:t>
+            </a:r>
+            <a:r>
+              <a:rPr lang="de-AT" sz="1400" dirty="0">
+                <a:latin typeface="Calibri" pitchFamily="34" charset="0"/>
+                <a:cs typeface="Calibri" pitchFamily="34" charset="0"/>
+              </a:rPr>
+              <a:t>)</a:t>
+            </a:r>
+          </a:p>
+          <a:p>
+            <a:pPr marL="800100" lvl="1" indent="-342900">
+              <a:buFont typeface="+mj-lt"/>
+              <a:buAutoNum type="arabicPeriod"/>
+            </a:pPr>
+            <a:r>
               <a:rPr lang="de-AT" sz="1400" dirty="0">
                 <a:latin typeface="Calibri" pitchFamily="34" charset="0"/>
                 <a:cs typeface="Calibri" pitchFamily="34" charset="0"/>
@@ -5916,6 +6053,13 @@
             </a:endParaRPr>
           </a:p>
           <a:p>
+            <a:pPr lvl="1"/>
+            <a:endParaRPr lang="de-AT" sz="1400" dirty="0">
+              <a:latin typeface="Calibri" pitchFamily="34" charset="0"/>
+              <a:cs typeface="Calibri" pitchFamily="34" charset="0"/>
+            </a:endParaRPr>
+          </a:p>
+          <a:p>
             <a:pPr marL="342900" indent="-342900">
               <a:buFont typeface="+mj-lt"/>
               <a:buAutoNum type="arabicPeriod"/>
@@ -6076,6 +6220,53 @@
               </a:rPr>
               <a:t>user</a:t>
             </a:r>
+            <a:r>
+              <a:rPr lang="de-AT" sz="1400" dirty="0">
+                <a:latin typeface="Calibri" pitchFamily="34" charset="0"/>
+                <a:cs typeface="Calibri" pitchFamily="34" charset="0"/>
+              </a:rPr>
+              <a:t> (Sandy)</a:t>
+            </a:r>
+          </a:p>
+          <a:p>
+            <a:pPr marL="342900" indent="-342900">
+              <a:buFont typeface="+mj-lt"/>
+              <a:buAutoNum type="arabicPeriod"/>
+            </a:pPr>
+            <a:r>
+              <a:rPr lang="de-AT" sz="1400" dirty="0">
+                <a:latin typeface="Calibri" pitchFamily="34" charset="0"/>
+                <a:cs typeface="Calibri" pitchFamily="34" charset="0"/>
+              </a:rPr>
+              <a:t>User (Sandy)</a:t>
+            </a:r>
+          </a:p>
+          <a:p>
+            <a:pPr marL="800100" lvl="1" indent="-342900">
+              <a:buFont typeface="+mj-lt"/>
+              <a:buAutoNum type="alphaLcPeriod"/>
+            </a:pPr>
+            <a:r>
+              <a:rPr lang="de-AT" sz="1400" dirty="0" err="1">
+                <a:latin typeface="Calibri" pitchFamily="34" charset="0"/>
+                <a:cs typeface="Calibri" pitchFamily="34" charset="0"/>
+              </a:rPr>
+              <a:t>Attempts</a:t>
+            </a:r>
+            <a:r>
+              <a:rPr lang="de-AT" sz="1400" dirty="0">
+                <a:latin typeface="Calibri" pitchFamily="34" charset="0"/>
+                <a:cs typeface="Calibri" pitchFamily="34" charset="0"/>
+              </a:rPr>
+              <a:t> </a:t>
+            </a:r>
+            <a:r>
+              <a:rPr lang="de-AT" sz="1400" dirty="0" err="1">
+                <a:latin typeface="Calibri" pitchFamily="34" charset="0"/>
+                <a:cs typeface="Calibri" pitchFamily="34" charset="0"/>
+              </a:rPr>
+              <a:t>login</a:t>
+            </a:r>
             <a:endParaRPr lang="de-AT" sz="1400" dirty="0">
               <a:latin typeface="Calibri" pitchFamily="34" charset="0"/>
               <a:cs typeface="Calibri" pitchFamily="34" charset="0"/>
@@ -6091,20 +6282,14 @@
                 <a:latin typeface="Calibri" pitchFamily="34" charset="0"/>
                 <a:cs typeface="Calibri" pitchFamily="34" charset="0"/>
               </a:rPr>
-              <a:t>User</a:t>
-            </a:r>
-          </a:p>
-          <a:p>
-            <a:pPr marL="800100" lvl="1" indent="-342900">
-              <a:buFont typeface="+mj-lt"/>
-              <a:buAutoNum type="alphaLcPeriod"/>
-            </a:pPr>
-            <a:r>
-              <a:rPr lang="de-AT" sz="1400" dirty="0" err="1">
-                <a:latin typeface="Calibri" pitchFamily="34" charset="0"/>
-                <a:cs typeface="Calibri" pitchFamily="34" charset="0"/>
-              </a:rPr>
-              <a:t>Attempts</a:t>
+              <a:t>(Admin Remove </a:t>
+            </a:r>
+            <a:r>
+              <a:rPr lang="de-AT" sz="1400" dirty="0" err="1">
+                <a:latin typeface="Calibri" pitchFamily="34" charset="0"/>
+                <a:cs typeface="Calibri" pitchFamily="34" charset="0"/>
+              </a:rPr>
+              <a:t>user</a:t>
             </a:r>
             <a:r>
               <a:rPr lang="de-AT" sz="1400" dirty="0">
@@ -6118,63 +6303,15 @@
                 <a:latin typeface="Calibri" pitchFamily="34" charset="0"/>
                 <a:cs typeface="Calibri" pitchFamily="34" charset="0"/>
               </a:rPr>
-              <a:t>login</a:t>
-            </a:r>
-            <a:endParaRPr lang="de-AT" sz="1400" dirty="0">
-              <a:latin typeface="Calibri" pitchFamily="34" charset="0"/>
-              <a:cs typeface="Calibri" pitchFamily="34" charset="0"/>
-            </a:endParaRPr>
-          </a:p>
-          <a:p>
-            <a:pPr marL="342900" indent="-342900">
-              <a:buFont typeface="+mj-lt"/>
-              <a:buAutoNum type="arabicPeriod"/>
-            </a:pPr>
-            <a:r>
-              <a:rPr lang="de-AT" sz="1400" dirty="0">
-                <a:latin typeface="Calibri" pitchFamily="34" charset="0"/>
-                <a:cs typeface="Calibri" pitchFamily="34" charset="0"/>
-              </a:rPr>
-              <a:t>Admin</a:t>
-            </a:r>
-          </a:p>
-          <a:p>
-            <a:pPr marL="800100" lvl="1" indent="-342900">
-              <a:buFont typeface="+mj-lt"/>
-              <a:buAutoNum type="arabicPeriod"/>
-            </a:pPr>
-            <a:r>
-              <a:rPr lang="de-AT" sz="1400" dirty="0">
-                <a:latin typeface="Calibri" pitchFamily="34" charset="0"/>
-                <a:cs typeface="Calibri" pitchFamily="34" charset="0"/>
-              </a:rPr>
-              <a:t>Remove </a:t>
-            </a:r>
-            <a:r>
-              <a:rPr lang="de-AT" sz="1400" dirty="0" err="1">
-                <a:latin typeface="Calibri" pitchFamily="34" charset="0"/>
-                <a:cs typeface="Calibri" pitchFamily="34" charset="0"/>
-              </a:rPr>
-              <a:t>user</a:t>
-            </a:r>
-            <a:r>
-              <a:rPr lang="de-AT" sz="1400" dirty="0">
-                <a:latin typeface="Calibri" pitchFamily="34" charset="0"/>
-                <a:cs typeface="Calibri" pitchFamily="34" charset="0"/>
-              </a:rPr>
-              <a:t> </a:t>
-            </a:r>
-            <a:r>
-              <a:rPr lang="de-AT" sz="1400" dirty="0" err="1">
-                <a:latin typeface="Calibri" pitchFamily="34" charset="0"/>
-                <a:cs typeface="Calibri" pitchFamily="34" charset="0"/>
-              </a:rPr>
               <a:t>ban</a:t>
             </a:r>
-            <a:endParaRPr lang="de-AT" sz="1400" dirty="0">
-              <a:latin typeface="Calibri" pitchFamily="34" charset="0"/>
-              <a:cs typeface="Calibri" pitchFamily="34" charset="0"/>
-            </a:endParaRPr>
+            <a:r>
+              <a:rPr lang="de-AT" sz="1400" dirty="0">
+                <a:latin typeface="Calibri" pitchFamily="34" charset="0"/>
+                <a:cs typeface="Calibri" pitchFamily="34" charset="0"/>
+              </a:rPr>
+              <a:t>)</a:t>
+            </a:r>
           </a:p>
           <a:p>
             <a:pPr marL="800100" lvl="1" indent="-342900">
@@ -6256,7 +6393,7 @@
         <p:spPr>
           <a:xfrm>
             <a:off x="5148064" y="1916832"/>
-            <a:ext cx="3672408" cy="2677656"/>
+            <a:ext cx="3672408" cy="2462213"/>
           </a:xfrm>
           <a:prstGeom prst="rect">
             <a:avLst/>
@@ -6278,7 +6415,7 @@
                 <a:latin typeface="Calibri" pitchFamily="34" charset="0"/>
                 <a:cs typeface="Calibri" pitchFamily="34" charset="0"/>
               </a:rPr>
-              <a:t>User</a:t>
+              <a:t>User (Sandy)</a:t>
             </a:r>
           </a:p>
           <a:p>
@@ -6370,43 +6507,43 @@
                 <a:latin typeface="Calibri" pitchFamily="34" charset="0"/>
                 <a:cs typeface="Calibri" pitchFamily="34" charset="0"/>
               </a:rPr>
-              <a:t>catalog</a:t>
-            </a:r>
-            <a:endParaRPr lang="de-AT" sz="1400" dirty="0">
-              <a:latin typeface="Calibri" pitchFamily="34" charset="0"/>
-              <a:cs typeface="Calibri" pitchFamily="34" charset="0"/>
-            </a:endParaRPr>
-          </a:p>
-          <a:p>
-            <a:pPr marL="800100" lvl="1" indent="-342900">
-              <a:buFont typeface="+mj-lt"/>
-              <a:buAutoNum type="alphaLcParenR"/>
-            </a:pPr>
-            <a:r>
-              <a:rPr lang="de-AT" sz="1400" dirty="0" err="1">
-                <a:latin typeface="Calibri" pitchFamily="34" charset="0"/>
-                <a:cs typeface="Calibri" pitchFamily="34" charset="0"/>
-              </a:rPr>
-              <a:t>Product</a:t>
-            </a:r>
-            <a:r>
-              <a:rPr lang="de-AT" sz="1400" dirty="0">
-                <a:latin typeface="Calibri" pitchFamily="34" charset="0"/>
-                <a:cs typeface="Calibri" pitchFamily="34" charset="0"/>
-              </a:rPr>
-              <a:t> </a:t>
-            </a:r>
-            <a:r>
-              <a:rPr lang="de-AT" sz="1400" dirty="0" err="1">
-                <a:latin typeface="Calibri" pitchFamily="34" charset="0"/>
-                <a:cs typeface="Calibri" pitchFamily="34" charset="0"/>
-              </a:rPr>
               <a:t>detail</a:t>
             </a:r>
-            <a:endParaRPr lang="de-AT" sz="1400" dirty="0">
-              <a:latin typeface="Calibri" pitchFamily="34" charset="0"/>
-              <a:cs typeface="Calibri" pitchFamily="34" charset="0"/>
-            </a:endParaRPr>
+            <a:r>
+              <a:rPr lang="de-AT" sz="1400" dirty="0">
+                <a:latin typeface="Calibri" pitchFamily="34" charset="0"/>
+                <a:cs typeface="Calibri" pitchFamily="34" charset="0"/>
+              </a:rPr>
+              <a:t> (review, </a:t>
+            </a:r>
+            <a:r>
+              <a:rPr lang="de-AT" sz="1400" dirty="0" err="1">
+                <a:latin typeface="Calibri" pitchFamily="34" charset="0"/>
+                <a:cs typeface="Calibri" pitchFamily="34" charset="0"/>
+              </a:rPr>
+              <a:t>q&amp;a</a:t>
+            </a:r>
+            <a:r>
+              <a:rPr lang="de-AT" sz="1400" dirty="0">
+                <a:latin typeface="Calibri" pitchFamily="34" charset="0"/>
+                <a:cs typeface="Calibri" pitchFamily="34" charset="0"/>
+              </a:rPr>
+              <a:t>, </a:t>
+            </a:r>
+            <a:r>
+              <a:rPr lang="de-AT" sz="1400" dirty="0" err="1">
+                <a:latin typeface="Calibri" pitchFamily="34" charset="0"/>
+                <a:cs typeface="Calibri" pitchFamily="34" charset="0"/>
+              </a:rPr>
+              <a:t>cart</a:t>
+            </a:r>
+            <a:r>
+              <a:rPr lang="de-AT" sz="1400" dirty="0">
+                <a:latin typeface="Calibri" pitchFamily="34" charset="0"/>
+                <a:cs typeface="Calibri" pitchFamily="34" charset="0"/>
+              </a:rPr>
+              <a:t>)</a:t>
+            </a:r>
           </a:p>
           <a:p>
             <a:pPr marL="800100" lvl="1" indent="-342900">

--- a/Presentation/Team-5_Project-Presentation.pptx
+++ b/Presentation/Team-5_Project-Presentation.pptx
@@ -5750,583 +5750,6 @@
       </p:sp>
       <p:sp>
         <p:nvSpPr>
-          <p:cNvPr id="4" name="TextBox 3"/>
-          <p:cNvSpPr txBox="1"/>
-          <p:nvPr/>
-        </p:nvSpPr>
-        <p:spPr>
-          <a:xfrm>
-            <a:off x="611560" y="1916832"/>
-            <a:ext cx="4320480" cy="4185761"/>
-          </a:xfrm>
-          <a:prstGeom prst="rect">
-            <a:avLst/>
-          </a:prstGeom>
-          <a:noFill/>
-        </p:spPr>
-        <p:txBody>
-          <a:bodyPr wrap="square" rtlCol="0">
-            <a:spAutoFit/>
-          </a:bodyPr>
-          <a:lstStyle/>
-          <a:p>
-            <a:pPr marL="342900" indent="-342900">
-              <a:buFont typeface="+mj-lt"/>
-              <a:buAutoNum type="arabicPeriod"/>
-            </a:pPr>
-            <a:r>
-              <a:rPr lang="de-AT" sz="1400" dirty="0">
-                <a:latin typeface="Calibri" pitchFamily="34" charset="0"/>
-                <a:cs typeface="Calibri" pitchFamily="34" charset="0"/>
-              </a:rPr>
-              <a:t>Public </a:t>
-            </a:r>
-            <a:r>
-              <a:rPr lang="de-AT" sz="1400" dirty="0">
-                <a:latin typeface="Calibri" pitchFamily="34" charset="0"/>
-                <a:cs typeface="Calibri" pitchFamily="34" charset="0"/>
-                <a:sym typeface="Wingdings" panose="05000000000000000000" pitchFamily="2" charset="2"/>
-              </a:rPr>
-              <a:t> </a:t>
-            </a:r>
-            <a:r>
-              <a:rPr lang="de-AT" sz="1400" dirty="0">
-                <a:latin typeface="Calibri" pitchFamily="34" charset="0"/>
-                <a:cs typeface="Calibri" pitchFamily="34" charset="0"/>
-              </a:rPr>
-              <a:t>Marko</a:t>
-            </a:r>
-          </a:p>
-          <a:p>
-            <a:pPr marL="800100" lvl="1" indent="-342900">
-              <a:buFont typeface="+mj-lt"/>
-              <a:buAutoNum type="arabicPeriod"/>
-            </a:pPr>
-            <a:r>
-              <a:rPr lang="de-AT" sz="1400" dirty="0">
-                <a:latin typeface="Calibri" pitchFamily="34" charset="0"/>
-                <a:cs typeface="Calibri" pitchFamily="34" charset="0"/>
-              </a:rPr>
-              <a:t>Landing </a:t>
-            </a:r>
-            <a:r>
-              <a:rPr lang="de-AT" sz="1400" dirty="0" err="1">
-                <a:latin typeface="Calibri" pitchFamily="34" charset="0"/>
-                <a:cs typeface="Calibri" pitchFamily="34" charset="0"/>
-              </a:rPr>
-              <a:t>page</a:t>
-            </a:r>
-            <a:endParaRPr lang="de-AT" sz="1400" dirty="0">
-              <a:latin typeface="Calibri" pitchFamily="34" charset="0"/>
-              <a:cs typeface="Calibri" pitchFamily="34" charset="0"/>
-            </a:endParaRPr>
-          </a:p>
-          <a:p>
-            <a:pPr marL="800100" lvl="1" indent="-342900">
-              <a:buFont typeface="+mj-lt"/>
-              <a:buAutoNum type="arabicPeriod"/>
-            </a:pPr>
-            <a:r>
-              <a:rPr lang="de-AT" sz="1400" dirty="0" err="1">
-                <a:latin typeface="Calibri" pitchFamily="34" charset="0"/>
-                <a:cs typeface="Calibri" pitchFamily="34" charset="0"/>
-              </a:rPr>
-              <a:t>Product</a:t>
-            </a:r>
-            <a:r>
-              <a:rPr lang="de-AT" sz="1400" dirty="0">
-                <a:latin typeface="Calibri" pitchFamily="34" charset="0"/>
-                <a:cs typeface="Calibri" pitchFamily="34" charset="0"/>
-              </a:rPr>
-              <a:t> </a:t>
-            </a:r>
-            <a:r>
-              <a:rPr lang="de-AT" sz="1400" dirty="0" err="1">
-                <a:latin typeface="Calibri" pitchFamily="34" charset="0"/>
-                <a:cs typeface="Calibri" pitchFamily="34" charset="0"/>
-              </a:rPr>
-              <a:t>detail</a:t>
-            </a:r>
-            <a:r>
-              <a:rPr lang="de-AT" sz="1400" dirty="0">
-                <a:latin typeface="Calibri" pitchFamily="34" charset="0"/>
-                <a:cs typeface="Calibri" pitchFamily="34" charset="0"/>
-              </a:rPr>
-              <a:t> </a:t>
-            </a:r>
-            <a:br>
-              <a:rPr lang="de-AT" sz="1400" dirty="0">
-                <a:latin typeface="Calibri" pitchFamily="34" charset="0"/>
-                <a:cs typeface="Calibri" pitchFamily="34" charset="0"/>
-              </a:rPr>
-            </a:br>
-            <a:r>
-              <a:rPr lang="de-AT" sz="1400" dirty="0">
-                <a:latin typeface="Calibri" pitchFamily="34" charset="0"/>
-                <a:cs typeface="Calibri" pitchFamily="34" charset="0"/>
-              </a:rPr>
-              <a:t>(review &amp; </a:t>
-            </a:r>
-            <a:r>
-              <a:rPr lang="de-AT" sz="1400" dirty="0" err="1">
-                <a:latin typeface="Calibri" pitchFamily="34" charset="0"/>
-                <a:cs typeface="Calibri" pitchFamily="34" charset="0"/>
-              </a:rPr>
-              <a:t>questions</a:t>
-            </a:r>
-            <a:r>
-              <a:rPr lang="de-AT" sz="1400" dirty="0">
-                <a:latin typeface="Calibri" pitchFamily="34" charset="0"/>
-                <a:cs typeface="Calibri" pitchFamily="34" charset="0"/>
-              </a:rPr>
-              <a:t> </a:t>
-            </a:r>
-            <a:r>
-              <a:rPr lang="de-AT" sz="1400" dirty="0" err="1">
-                <a:latin typeface="Calibri" pitchFamily="34" charset="0"/>
-                <a:cs typeface="Calibri" pitchFamily="34" charset="0"/>
-              </a:rPr>
-              <a:t>read</a:t>
-            </a:r>
-            <a:r>
-              <a:rPr lang="de-AT" sz="1400" dirty="0">
-                <a:latin typeface="Calibri" pitchFamily="34" charset="0"/>
-                <a:cs typeface="Calibri" pitchFamily="34" charset="0"/>
-              </a:rPr>
-              <a:t> </a:t>
-            </a:r>
-            <a:r>
-              <a:rPr lang="de-AT" sz="1400" dirty="0" err="1">
-                <a:latin typeface="Calibri" pitchFamily="34" charset="0"/>
-                <a:cs typeface="Calibri" pitchFamily="34" charset="0"/>
-              </a:rPr>
-              <a:t>only</a:t>
-            </a:r>
-            <a:r>
-              <a:rPr lang="de-AT" sz="1400" dirty="0">
-                <a:latin typeface="Calibri" pitchFamily="34" charset="0"/>
-                <a:cs typeface="Calibri" pitchFamily="34" charset="0"/>
-              </a:rPr>
-              <a:t>, </a:t>
-            </a:r>
-            <a:r>
-              <a:rPr lang="de-AT" sz="1400" dirty="0" err="1">
-                <a:latin typeface="Calibri" pitchFamily="34" charset="0"/>
-                <a:cs typeface="Calibri" pitchFamily="34" charset="0"/>
-              </a:rPr>
-              <a:t>no</a:t>
-            </a:r>
-            <a:r>
-              <a:rPr lang="de-AT" sz="1400" dirty="0">
-                <a:latin typeface="Calibri" pitchFamily="34" charset="0"/>
-                <a:cs typeface="Calibri" pitchFamily="34" charset="0"/>
-              </a:rPr>
-              <a:t> </a:t>
-            </a:r>
-            <a:r>
-              <a:rPr lang="de-AT" sz="1400" dirty="0" err="1">
-                <a:latin typeface="Calibri" pitchFamily="34" charset="0"/>
-                <a:cs typeface="Calibri" pitchFamily="34" charset="0"/>
-              </a:rPr>
-              <a:t>add</a:t>
-            </a:r>
-            <a:r>
-              <a:rPr lang="de-AT" sz="1400" dirty="0">
-                <a:latin typeface="Calibri" pitchFamily="34" charset="0"/>
-                <a:cs typeface="Calibri" pitchFamily="34" charset="0"/>
-              </a:rPr>
-              <a:t> </a:t>
-            </a:r>
-            <a:r>
-              <a:rPr lang="de-AT" sz="1400" dirty="0" err="1">
-                <a:latin typeface="Calibri" pitchFamily="34" charset="0"/>
-                <a:cs typeface="Calibri" pitchFamily="34" charset="0"/>
-              </a:rPr>
-              <a:t>to</a:t>
-            </a:r>
-            <a:r>
-              <a:rPr lang="de-AT" sz="1400" dirty="0">
-                <a:latin typeface="Calibri" pitchFamily="34" charset="0"/>
-                <a:cs typeface="Calibri" pitchFamily="34" charset="0"/>
-              </a:rPr>
-              <a:t> </a:t>
-            </a:r>
-            <a:r>
-              <a:rPr lang="de-AT" sz="1400" dirty="0" err="1">
-                <a:latin typeface="Calibri" pitchFamily="34" charset="0"/>
-                <a:cs typeface="Calibri" pitchFamily="34" charset="0"/>
-              </a:rPr>
-              <a:t>cart</a:t>
-            </a:r>
-            <a:r>
-              <a:rPr lang="de-AT" sz="1400" dirty="0">
-                <a:latin typeface="Calibri" pitchFamily="34" charset="0"/>
-                <a:cs typeface="Calibri" pitchFamily="34" charset="0"/>
-              </a:rPr>
-              <a:t>) </a:t>
-            </a:r>
-          </a:p>
-          <a:p>
-            <a:pPr marL="800100" lvl="1" indent="-342900">
-              <a:buFont typeface="+mj-lt"/>
-              <a:buAutoNum type="arabicPeriod"/>
-            </a:pPr>
-            <a:r>
-              <a:rPr lang="de-AT" sz="1400" dirty="0" err="1">
-                <a:latin typeface="Calibri" pitchFamily="34" charset="0"/>
-                <a:cs typeface="Calibri" pitchFamily="34" charset="0"/>
-              </a:rPr>
-              <a:t>Product</a:t>
-            </a:r>
-            <a:r>
-              <a:rPr lang="de-AT" sz="1400" dirty="0">
-                <a:latin typeface="Calibri" pitchFamily="34" charset="0"/>
-                <a:cs typeface="Calibri" pitchFamily="34" charset="0"/>
-              </a:rPr>
-              <a:t> Catalog (</a:t>
-            </a:r>
-            <a:r>
-              <a:rPr lang="de-AT" sz="1400" dirty="0" err="1">
-                <a:latin typeface="Calibri" pitchFamily="34" charset="0"/>
-                <a:cs typeface="Calibri" pitchFamily="34" charset="0"/>
-              </a:rPr>
-              <a:t>filter</a:t>
-            </a:r>
-            <a:r>
-              <a:rPr lang="de-AT" sz="1400" dirty="0">
-                <a:latin typeface="Calibri" pitchFamily="34" charset="0"/>
-                <a:cs typeface="Calibri" pitchFamily="34" charset="0"/>
-              </a:rPr>
-              <a:t>, </a:t>
-            </a:r>
-            <a:r>
-              <a:rPr lang="de-AT" sz="1400" dirty="0" err="1">
-                <a:latin typeface="Calibri" pitchFamily="34" charset="0"/>
-                <a:cs typeface="Calibri" pitchFamily="34" charset="0"/>
-              </a:rPr>
-              <a:t>sort</a:t>
-            </a:r>
-            <a:r>
-              <a:rPr lang="de-AT" sz="1400" dirty="0">
-                <a:latin typeface="Calibri" pitchFamily="34" charset="0"/>
-                <a:cs typeface="Calibri" pitchFamily="34" charset="0"/>
-              </a:rPr>
-              <a:t>, </a:t>
-            </a:r>
-            <a:r>
-              <a:rPr lang="de-AT" sz="1400" dirty="0" err="1">
-                <a:latin typeface="Calibri" pitchFamily="34" charset="0"/>
-                <a:cs typeface="Calibri" pitchFamily="34" charset="0"/>
-              </a:rPr>
-              <a:t>search</a:t>
-            </a:r>
-            <a:r>
-              <a:rPr lang="de-AT" sz="1400" dirty="0">
-                <a:latin typeface="Calibri" pitchFamily="34" charset="0"/>
-                <a:cs typeface="Calibri" pitchFamily="34" charset="0"/>
-              </a:rPr>
-              <a:t>)</a:t>
-            </a:r>
-          </a:p>
-          <a:p>
-            <a:pPr marL="800100" lvl="1" indent="-342900">
-              <a:buFont typeface="+mj-lt"/>
-              <a:buAutoNum type="arabicPeriod"/>
-            </a:pPr>
-            <a:r>
-              <a:rPr lang="de-AT" sz="1400" dirty="0">
-                <a:latin typeface="Calibri" pitchFamily="34" charset="0"/>
-                <a:cs typeface="Calibri" pitchFamily="34" charset="0"/>
-              </a:rPr>
-              <a:t>Register </a:t>
-            </a:r>
-            <a:r>
-              <a:rPr lang="de-AT" sz="1400" dirty="0" err="1">
-                <a:latin typeface="Calibri" pitchFamily="34" charset="0"/>
-                <a:cs typeface="Calibri" pitchFamily="34" charset="0"/>
-              </a:rPr>
-              <a:t>page</a:t>
-            </a:r>
-            <a:endParaRPr lang="de-AT" sz="1400" dirty="0">
-              <a:latin typeface="Calibri" pitchFamily="34" charset="0"/>
-              <a:cs typeface="Calibri" pitchFamily="34" charset="0"/>
-            </a:endParaRPr>
-          </a:p>
-          <a:p>
-            <a:pPr lvl="1"/>
-            <a:endParaRPr lang="de-AT" sz="1400" dirty="0">
-              <a:latin typeface="Calibri" pitchFamily="34" charset="0"/>
-              <a:cs typeface="Calibri" pitchFamily="34" charset="0"/>
-            </a:endParaRPr>
-          </a:p>
-          <a:p>
-            <a:pPr marL="342900" indent="-342900">
-              <a:buFont typeface="+mj-lt"/>
-              <a:buAutoNum type="arabicPeriod"/>
-            </a:pPr>
-            <a:r>
-              <a:rPr lang="de-AT" sz="1400" dirty="0">
-                <a:latin typeface="Calibri" pitchFamily="34" charset="0"/>
-                <a:cs typeface="Calibri" pitchFamily="34" charset="0"/>
-              </a:rPr>
-              <a:t>Admin </a:t>
-            </a:r>
-          </a:p>
-          <a:p>
-            <a:pPr marL="800100" lvl="1" indent="-342900">
-              <a:buFont typeface="+mj-lt"/>
-              <a:buAutoNum type="alphaLcPeriod"/>
-            </a:pPr>
-            <a:r>
-              <a:rPr lang="de-AT" sz="1400" dirty="0">
-                <a:latin typeface="Calibri" pitchFamily="34" charset="0"/>
-                <a:cs typeface="Calibri" pitchFamily="34" charset="0"/>
-              </a:rPr>
-              <a:t>Login</a:t>
-            </a:r>
-          </a:p>
-          <a:p>
-            <a:pPr marL="800100" lvl="1" indent="-342900">
-              <a:buFont typeface="+mj-lt"/>
-              <a:buAutoNum type="alphaLcPeriod"/>
-            </a:pPr>
-            <a:r>
-              <a:rPr lang="de-AT" sz="1400" dirty="0">
-                <a:latin typeface="Calibri" pitchFamily="34" charset="0"/>
-                <a:cs typeface="Calibri" pitchFamily="34" charset="0"/>
-              </a:rPr>
-              <a:t>Header</a:t>
-            </a:r>
-          </a:p>
-          <a:p>
-            <a:pPr marL="800100" lvl="1" indent="-342900">
-              <a:buFont typeface="+mj-lt"/>
-              <a:buAutoNum type="alphaLcPeriod"/>
-            </a:pPr>
-            <a:r>
-              <a:rPr lang="de-AT" sz="1400" dirty="0" err="1">
-                <a:latin typeface="Calibri" pitchFamily="34" charset="0"/>
-                <a:cs typeface="Calibri" pitchFamily="34" charset="0"/>
-              </a:rPr>
-              <a:t>Product</a:t>
-            </a:r>
-            <a:r>
-              <a:rPr lang="de-AT" sz="1400" dirty="0">
-                <a:latin typeface="Calibri" pitchFamily="34" charset="0"/>
-                <a:cs typeface="Calibri" pitchFamily="34" charset="0"/>
-              </a:rPr>
-              <a:t> </a:t>
-            </a:r>
-            <a:r>
-              <a:rPr lang="de-AT" sz="1400" dirty="0" err="1">
-                <a:latin typeface="Calibri" pitchFamily="34" charset="0"/>
-                <a:cs typeface="Calibri" pitchFamily="34" charset="0"/>
-              </a:rPr>
-              <a:t>overview</a:t>
-            </a:r>
-            <a:endParaRPr lang="de-AT" sz="1400" dirty="0">
-              <a:latin typeface="Calibri" pitchFamily="34" charset="0"/>
-              <a:cs typeface="Calibri" pitchFamily="34" charset="0"/>
-            </a:endParaRPr>
-          </a:p>
-          <a:p>
-            <a:pPr marL="800100" lvl="1" indent="-342900">
-              <a:buFont typeface="+mj-lt"/>
-              <a:buAutoNum type="alphaLcPeriod"/>
-            </a:pPr>
-            <a:r>
-              <a:rPr lang="de-AT" sz="1400" dirty="0">
-                <a:latin typeface="Calibri" pitchFamily="34" charset="0"/>
-                <a:cs typeface="Calibri" pitchFamily="34" charset="0"/>
-              </a:rPr>
-              <a:t>Review </a:t>
-            </a:r>
-            <a:r>
-              <a:rPr lang="de-AT" sz="1400" dirty="0" err="1">
-                <a:latin typeface="Calibri" pitchFamily="34" charset="0"/>
-                <a:cs typeface="Calibri" pitchFamily="34" charset="0"/>
-              </a:rPr>
-              <a:t>overview</a:t>
-            </a:r>
-            <a:endParaRPr lang="de-AT" sz="1400" dirty="0">
-              <a:latin typeface="Calibri" pitchFamily="34" charset="0"/>
-              <a:cs typeface="Calibri" pitchFamily="34" charset="0"/>
-            </a:endParaRPr>
-          </a:p>
-          <a:p>
-            <a:pPr marL="800100" lvl="1" indent="-342900">
-              <a:buFont typeface="+mj-lt"/>
-              <a:buAutoNum type="alphaLcPeriod"/>
-            </a:pPr>
-            <a:r>
-              <a:rPr lang="de-AT" sz="1400" dirty="0">
-                <a:latin typeface="Calibri" pitchFamily="34" charset="0"/>
-                <a:cs typeface="Calibri" pitchFamily="34" charset="0"/>
-              </a:rPr>
-              <a:t>Sales </a:t>
-            </a:r>
-            <a:r>
-              <a:rPr lang="de-AT" sz="1400" dirty="0" err="1">
-                <a:latin typeface="Calibri" pitchFamily="34" charset="0"/>
-                <a:cs typeface="Calibri" pitchFamily="34" charset="0"/>
-              </a:rPr>
-              <a:t>statistics</a:t>
-            </a:r>
-            <a:endParaRPr lang="de-AT" sz="1400" dirty="0">
-              <a:latin typeface="Calibri" pitchFamily="34" charset="0"/>
-              <a:cs typeface="Calibri" pitchFamily="34" charset="0"/>
-            </a:endParaRPr>
-          </a:p>
-          <a:p>
-            <a:pPr marL="800100" lvl="1" indent="-342900">
-              <a:buFont typeface="+mj-lt"/>
-              <a:buAutoNum type="alphaLcPeriod"/>
-            </a:pPr>
-            <a:r>
-              <a:rPr lang="de-AT" sz="1400" dirty="0">
-                <a:latin typeface="Calibri" pitchFamily="34" charset="0"/>
-                <a:cs typeface="Calibri" pitchFamily="34" charset="0"/>
-              </a:rPr>
-              <a:t>User </a:t>
-            </a:r>
-            <a:r>
-              <a:rPr lang="de-AT" sz="1400" dirty="0" err="1">
-                <a:latin typeface="Calibri" pitchFamily="34" charset="0"/>
-                <a:cs typeface="Calibri" pitchFamily="34" charset="0"/>
-              </a:rPr>
-              <a:t>overview</a:t>
-            </a:r>
-            <a:endParaRPr lang="de-AT" sz="1400" dirty="0">
-              <a:latin typeface="Calibri" pitchFamily="34" charset="0"/>
-              <a:cs typeface="Calibri" pitchFamily="34" charset="0"/>
-            </a:endParaRPr>
-          </a:p>
-          <a:p>
-            <a:pPr marL="800100" lvl="1" indent="-342900">
-              <a:buFont typeface="+mj-lt"/>
-              <a:buAutoNum type="alphaLcPeriod"/>
-            </a:pPr>
-            <a:r>
-              <a:rPr lang="de-AT" sz="1400" dirty="0">
-                <a:latin typeface="Calibri" pitchFamily="34" charset="0"/>
-                <a:cs typeface="Calibri" pitchFamily="34" charset="0"/>
-              </a:rPr>
-              <a:t>Ban </a:t>
-            </a:r>
-            <a:r>
-              <a:rPr lang="de-AT" sz="1400" dirty="0" err="1">
-                <a:latin typeface="Calibri" pitchFamily="34" charset="0"/>
-                <a:cs typeface="Calibri" pitchFamily="34" charset="0"/>
-              </a:rPr>
-              <a:t>user</a:t>
-            </a:r>
-            <a:r>
-              <a:rPr lang="de-AT" sz="1400" dirty="0">
-                <a:latin typeface="Calibri" pitchFamily="34" charset="0"/>
-                <a:cs typeface="Calibri" pitchFamily="34" charset="0"/>
-              </a:rPr>
-              <a:t> (Sandy)</a:t>
-            </a:r>
-          </a:p>
-          <a:p>
-            <a:pPr marL="342900" indent="-342900">
-              <a:buFont typeface="+mj-lt"/>
-              <a:buAutoNum type="arabicPeriod"/>
-            </a:pPr>
-            <a:r>
-              <a:rPr lang="de-AT" sz="1400" dirty="0">
-                <a:latin typeface="Calibri" pitchFamily="34" charset="0"/>
-                <a:cs typeface="Calibri" pitchFamily="34" charset="0"/>
-              </a:rPr>
-              <a:t>User (Sandy)</a:t>
-            </a:r>
-          </a:p>
-          <a:p>
-            <a:pPr marL="800100" lvl="1" indent="-342900">
-              <a:buFont typeface="+mj-lt"/>
-              <a:buAutoNum type="alphaLcPeriod"/>
-            </a:pPr>
-            <a:r>
-              <a:rPr lang="de-AT" sz="1400" dirty="0" err="1">
-                <a:latin typeface="Calibri" pitchFamily="34" charset="0"/>
-                <a:cs typeface="Calibri" pitchFamily="34" charset="0"/>
-              </a:rPr>
-              <a:t>Attempts</a:t>
-            </a:r>
-            <a:r>
-              <a:rPr lang="de-AT" sz="1400" dirty="0">
-                <a:latin typeface="Calibri" pitchFamily="34" charset="0"/>
-                <a:cs typeface="Calibri" pitchFamily="34" charset="0"/>
-              </a:rPr>
-              <a:t> </a:t>
-            </a:r>
-            <a:r>
-              <a:rPr lang="de-AT" sz="1400" dirty="0" err="1">
-                <a:latin typeface="Calibri" pitchFamily="34" charset="0"/>
-                <a:cs typeface="Calibri" pitchFamily="34" charset="0"/>
-              </a:rPr>
-              <a:t>login</a:t>
-            </a:r>
-            <a:endParaRPr lang="de-AT" sz="1400" dirty="0">
-              <a:latin typeface="Calibri" pitchFamily="34" charset="0"/>
-              <a:cs typeface="Calibri" pitchFamily="34" charset="0"/>
-            </a:endParaRPr>
-          </a:p>
-          <a:p>
-            <a:pPr marL="342900" indent="-342900">
-              <a:buFont typeface="+mj-lt"/>
-              <a:buAutoNum type="arabicPeriod"/>
-            </a:pPr>
-            <a:r>
-              <a:rPr lang="de-AT" sz="1400" dirty="0">
-                <a:latin typeface="Calibri" pitchFamily="34" charset="0"/>
-                <a:cs typeface="Calibri" pitchFamily="34" charset="0"/>
-              </a:rPr>
-              <a:t>(Admin Remove </a:t>
-            </a:r>
-            <a:r>
-              <a:rPr lang="de-AT" sz="1400" dirty="0" err="1">
-                <a:latin typeface="Calibri" pitchFamily="34" charset="0"/>
-                <a:cs typeface="Calibri" pitchFamily="34" charset="0"/>
-              </a:rPr>
-              <a:t>user</a:t>
-            </a:r>
-            <a:r>
-              <a:rPr lang="de-AT" sz="1400" dirty="0">
-                <a:latin typeface="Calibri" pitchFamily="34" charset="0"/>
-                <a:cs typeface="Calibri" pitchFamily="34" charset="0"/>
-              </a:rPr>
-              <a:t> </a:t>
-            </a:r>
-            <a:r>
-              <a:rPr lang="de-AT" sz="1400" dirty="0" err="1">
-                <a:latin typeface="Calibri" pitchFamily="34" charset="0"/>
-                <a:cs typeface="Calibri" pitchFamily="34" charset="0"/>
-              </a:rPr>
-              <a:t>ban</a:t>
-            </a:r>
-            <a:r>
-              <a:rPr lang="de-AT" sz="1400" dirty="0">
-                <a:latin typeface="Calibri" pitchFamily="34" charset="0"/>
-                <a:cs typeface="Calibri" pitchFamily="34" charset="0"/>
-              </a:rPr>
-              <a:t>)</a:t>
-            </a:r>
-          </a:p>
-          <a:p>
-            <a:pPr marL="800100" lvl="1" indent="-342900">
-              <a:buFont typeface="+mj-lt"/>
-              <a:buAutoNum type="arabicPeriod"/>
-            </a:pPr>
-            <a:endParaRPr lang="de-AT" sz="1400" dirty="0">
-              <a:latin typeface="Calibri" pitchFamily="34" charset="0"/>
-              <a:cs typeface="Calibri" pitchFamily="34" charset="0"/>
-            </a:endParaRPr>
-          </a:p>
-        </p:txBody>
-      </p:sp>
-      <p:sp>
-        <p:nvSpPr>
           <p:cNvPr id="5" name="TextBox 3">
             <a:extLst>
               <a:ext uri="{FF2B5EF4-FFF2-40B4-BE49-F238E27FC236}">
@@ -6371,390 +5794,6 @@
             </a:endParaRPr>
           </a:p>
           <a:p>
-            <a:endParaRPr lang="de-AT" sz="1400" dirty="0">
-              <a:latin typeface="Calibri" pitchFamily="34" charset="0"/>
-              <a:cs typeface="Calibri" pitchFamily="34" charset="0"/>
-            </a:endParaRPr>
-          </a:p>
-        </p:txBody>
-      </p:sp>
-      <p:sp>
-        <p:nvSpPr>
-          <p:cNvPr id="6" name="TextBox 3">
-            <a:extLst>
-              <a:ext uri="{FF2B5EF4-FFF2-40B4-BE49-F238E27FC236}">
-                <a16:creationId xmlns:a16="http://schemas.microsoft.com/office/drawing/2014/main" id="{EF430415-FC3F-4634-85F5-2755A4CA32EE}"/>
-              </a:ext>
-            </a:extLst>
-          </p:cNvPr>
-          <p:cNvSpPr txBox="1"/>
-          <p:nvPr/>
-        </p:nvSpPr>
-        <p:spPr>
-          <a:xfrm>
-            <a:off x="5148064" y="1916832"/>
-            <a:ext cx="3672408" cy="2462213"/>
-          </a:xfrm>
-          <a:prstGeom prst="rect">
-            <a:avLst/>
-          </a:prstGeom>
-          <a:noFill/>
-        </p:spPr>
-        <p:txBody>
-          <a:bodyPr wrap="square" rtlCol="0">
-            <a:spAutoFit/>
-          </a:bodyPr>
-          <a:lstStyle/>
-          <a:p>
-            <a:pPr marL="342900" indent="-342900">
-              <a:buFont typeface="+mj-lt"/>
-              <a:buAutoNum type="arabicPeriod" startAt="5"/>
-            </a:pPr>
-            <a:r>
-              <a:rPr lang="de-AT" sz="1400" dirty="0">
-                <a:latin typeface="Calibri" pitchFamily="34" charset="0"/>
-                <a:cs typeface="Calibri" pitchFamily="34" charset="0"/>
-              </a:rPr>
-              <a:t>User (Sandy)</a:t>
-            </a:r>
-          </a:p>
-          <a:p>
-            <a:pPr marL="800100" lvl="1" indent="-342900">
-              <a:buFont typeface="+mj-lt"/>
-              <a:buAutoNum type="alphaLcParenR"/>
-            </a:pPr>
-            <a:r>
-              <a:rPr lang="de-AT" sz="1400" dirty="0">
-                <a:latin typeface="Calibri" pitchFamily="34" charset="0"/>
-                <a:cs typeface="Calibri" pitchFamily="34" charset="0"/>
-              </a:rPr>
-              <a:t>User </a:t>
-            </a:r>
-            <a:r>
-              <a:rPr lang="de-AT" sz="1400" dirty="0" err="1">
-                <a:latin typeface="Calibri" pitchFamily="34" charset="0"/>
-                <a:cs typeface="Calibri" pitchFamily="34" charset="0"/>
-              </a:rPr>
-              <a:t>login</a:t>
-            </a:r>
-            <a:r>
-              <a:rPr lang="de-AT" sz="1400" dirty="0">
-                <a:latin typeface="Calibri" pitchFamily="34" charset="0"/>
-                <a:cs typeface="Calibri" pitchFamily="34" charset="0"/>
-              </a:rPr>
-              <a:t> </a:t>
-            </a:r>
-            <a:r>
-              <a:rPr lang="de-AT" sz="1400" dirty="0" err="1">
-                <a:latin typeface="Calibri" pitchFamily="34" charset="0"/>
-                <a:cs typeface="Calibri" pitchFamily="34" charset="0"/>
-              </a:rPr>
-              <a:t>again</a:t>
-            </a:r>
-            <a:endParaRPr lang="de-AT" sz="1400" dirty="0">
-              <a:latin typeface="Calibri" pitchFamily="34" charset="0"/>
-              <a:cs typeface="Calibri" pitchFamily="34" charset="0"/>
-            </a:endParaRPr>
-          </a:p>
-          <a:p>
-            <a:pPr marL="800100" lvl="1" indent="-342900">
-              <a:buFont typeface="+mj-lt"/>
-              <a:buAutoNum type="alphaLcParenR"/>
-            </a:pPr>
-            <a:r>
-              <a:rPr lang="de-AT" sz="1400" dirty="0">
-                <a:latin typeface="Calibri" pitchFamily="34" charset="0"/>
-                <a:cs typeface="Calibri" pitchFamily="34" charset="0"/>
-              </a:rPr>
-              <a:t>User </a:t>
-            </a:r>
-            <a:r>
-              <a:rPr lang="de-AT" sz="1400" dirty="0" err="1">
-                <a:latin typeface="Calibri" pitchFamily="34" charset="0"/>
-                <a:cs typeface="Calibri" pitchFamily="34" charset="0"/>
-              </a:rPr>
-              <a:t>profil</a:t>
-            </a:r>
-            <a:r>
-              <a:rPr lang="de-AT" sz="1400" dirty="0">
-                <a:latin typeface="Calibri" pitchFamily="34" charset="0"/>
-                <a:cs typeface="Calibri" pitchFamily="34" charset="0"/>
-              </a:rPr>
-              <a:t> &amp; update</a:t>
-            </a:r>
-          </a:p>
-          <a:p>
-            <a:pPr marL="800100" lvl="1" indent="-342900">
-              <a:buFont typeface="+mj-lt"/>
-              <a:buAutoNum type="alphaLcParenR"/>
-            </a:pPr>
-            <a:r>
-              <a:rPr lang="de-AT" sz="1400" dirty="0" err="1">
-                <a:latin typeface="Calibri" pitchFamily="34" charset="0"/>
-                <a:cs typeface="Calibri" pitchFamily="34" charset="0"/>
-              </a:rPr>
-              <a:t>Product</a:t>
-            </a:r>
-            <a:r>
-              <a:rPr lang="de-AT" sz="1400" dirty="0">
-                <a:latin typeface="Calibri" pitchFamily="34" charset="0"/>
-                <a:cs typeface="Calibri" pitchFamily="34" charset="0"/>
-              </a:rPr>
-              <a:t> </a:t>
-            </a:r>
-            <a:r>
-              <a:rPr lang="de-AT" sz="1400" dirty="0" err="1">
-                <a:latin typeface="Calibri" pitchFamily="34" charset="0"/>
-                <a:cs typeface="Calibri" pitchFamily="34" charset="0"/>
-              </a:rPr>
-              <a:t>detail</a:t>
-            </a:r>
-            <a:r>
-              <a:rPr lang="de-AT" sz="1400" dirty="0">
-                <a:latin typeface="Calibri" pitchFamily="34" charset="0"/>
-                <a:cs typeface="Calibri" pitchFamily="34" charset="0"/>
-              </a:rPr>
-              <a:t> (review, </a:t>
-            </a:r>
-            <a:r>
-              <a:rPr lang="de-AT" sz="1400" dirty="0" err="1">
-                <a:latin typeface="Calibri" pitchFamily="34" charset="0"/>
-                <a:cs typeface="Calibri" pitchFamily="34" charset="0"/>
-              </a:rPr>
-              <a:t>q&amp;a</a:t>
-            </a:r>
-            <a:r>
-              <a:rPr lang="de-AT" sz="1400" dirty="0">
-                <a:latin typeface="Calibri" pitchFamily="34" charset="0"/>
-                <a:cs typeface="Calibri" pitchFamily="34" charset="0"/>
-              </a:rPr>
-              <a:t>, </a:t>
-            </a:r>
-            <a:r>
-              <a:rPr lang="de-AT" sz="1400" dirty="0" err="1">
-                <a:latin typeface="Calibri" pitchFamily="34" charset="0"/>
-                <a:cs typeface="Calibri" pitchFamily="34" charset="0"/>
-              </a:rPr>
-              <a:t>cart</a:t>
-            </a:r>
-            <a:r>
-              <a:rPr lang="de-AT" sz="1400" dirty="0">
-                <a:latin typeface="Calibri" pitchFamily="34" charset="0"/>
-                <a:cs typeface="Calibri" pitchFamily="34" charset="0"/>
-              </a:rPr>
-              <a:t>)</a:t>
-            </a:r>
-          </a:p>
-          <a:p>
-            <a:pPr marL="800100" lvl="1" indent="-342900">
-              <a:buFont typeface="+mj-lt"/>
-              <a:buAutoNum type="alphaLcParenR"/>
-            </a:pPr>
-            <a:r>
-              <a:rPr lang="de-AT" sz="1400" dirty="0">
-                <a:latin typeface="Calibri" pitchFamily="34" charset="0"/>
-                <a:cs typeface="Calibri" pitchFamily="34" charset="0"/>
-              </a:rPr>
-              <a:t>Add </a:t>
-            </a:r>
-            <a:r>
-              <a:rPr lang="de-AT" sz="1400" dirty="0" err="1">
-                <a:latin typeface="Calibri" pitchFamily="34" charset="0"/>
-                <a:cs typeface="Calibri" pitchFamily="34" charset="0"/>
-              </a:rPr>
-              <a:t>to</a:t>
-            </a:r>
-            <a:r>
-              <a:rPr lang="de-AT" sz="1400" dirty="0">
-                <a:latin typeface="Calibri" pitchFamily="34" charset="0"/>
-                <a:cs typeface="Calibri" pitchFamily="34" charset="0"/>
-              </a:rPr>
-              <a:t> </a:t>
-            </a:r>
-            <a:r>
-              <a:rPr lang="de-AT" sz="1400" dirty="0" err="1">
-                <a:latin typeface="Calibri" pitchFamily="34" charset="0"/>
-                <a:cs typeface="Calibri" pitchFamily="34" charset="0"/>
-              </a:rPr>
-              <a:t>cart</a:t>
-            </a:r>
-            <a:endParaRPr lang="de-AT" sz="1400" dirty="0">
-              <a:latin typeface="Calibri" pitchFamily="34" charset="0"/>
-              <a:cs typeface="Calibri" pitchFamily="34" charset="0"/>
-            </a:endParaRPr>
-          </a:p>
-          <a:p>
-            <a:pPr marL="800100" lvl="1" indent="-342900">
-              <a:buFont typeface="+mj-lt"/>
-              <a:buAutoNum type="alphaLcParenR"/>
-            </a:pPr>
-            <a:r>
-              <a:rPr lang="de-AT" sz="1400" dirty="0" err="1">
-                <a:latin typeface="Calibri" pitchFamily="34" charset="0"/>
-                <a:cs typeface="Calibri" pitchFamily="34" charset="0"/>
-              </a:rPr>
-              <a:t>Checkout</a:t>
-            </a:r>
-            <a:r>
-              <a:rPr lang="de-AT" sz="1400" dirty="0">
-                <a:latin typeface="Calibri" pitchFamily="34" charset="0"/>
-                <a:cs typeface="Calibri" pitchFamily="34" charset="0"/>
-              </a:rPr>
-              <a:t> &amp; </a:t>
-            </a:r>
-            <a:r>
-              <a:rPr lang="de-AT" sz="1400" dirty="0" err="1">
-                <a:latin typeface="Calibri" pitchFamily="34" charset="0"/>
-                <a:cs typeface="Calibri" pitchFamily="34" charset="0"/>
-              </a:rPr>
-              <a:t>order</a:t>
-            </a:r>
-            <a:r>
-              <a:rPr lang="de-AT" sz="1400" dirty="0">
-                <a:latin typeface="Calibri" pitchFamily="34" charset="0"/>
-                <a:cs typeface="Calibri" pitchFamily="34" charset="0"/>
-              </a:rPr>
-              <a:t> </a:t>
-            </a:r>
-            <a:r>
-              <a:rPr lang="de-AT" sz="1400" dirty="0" err="1">
-                <a:latin typeface="Calibri" pitchFamily="34" charset="0"/>
-                <a:cs typeface="Calibri" pitchFamily="34" charset="0"/>
-              </a:rPr>
-              <a:t>confirmation</a:t>
-            </a:r>
-            <a:endParaRPr lang="de-AT" sz="1400" dirty="0">
-              <a:latin typeface="Calibri" pitchFamily="34" charset="0"/>
-              <a:cs typeface="Calibri" pitchFamily="34" charset="0"/>
-            </a:endParaRPr>
-          </a:p>
-          <a:p>
-            <a:pPr marL="800100" lvl="1" indent="-342900">
-              <a:buFont typeface="+mj-lt"/>
-              <a:buAutoNum type="alphaLcParenR"/>
-            </a:pPr>
-            <a:r>
-              <a:rPr lang="de-AT" sz="1400" dirty="0" err="1">
-                <a:latin typeface="Calibri" pitchFamily="34" charset="0"/>
-                <a:cs typeface="Calibri" pitchFamily="34" charset="0"/>
-              </a:rPr>
-              <a:t>Continue</a:t>
-            </a:r>
-            <a:r>
-              <a:rPr lang="de-AT" sz="1400" dirty="0">
-                <a:latin typeface="Calibri" pitchFamily="34" charset="0"/>
-                <a:cs typeface="Calibri" pitchFamily="34" charset="0"/>
-              </a:rPr>
-              <a:t> </a:t>
-            </a:r>
-            <a:r>
-              <a:rPr lang="de-AT" sz="1400" dirty="0" err="1">
-                <a:latin typeface="Calibri" pitchFamily="34" charset="0"/>
-                <a:cs typeface="Calibri" pitchFamily="34" charset="0"/>
-              </a:rPr>
-              <a:t>shopping</a:t>
-            </a:r>
-            <a:endParaRPr lang="de-AT" sz="1400" dirty="0">
-              <a:latin typeface="Calibri" pitchFamily="34" charset="0"/>
-              <a:cs typeface="Calibri" pitchFamily="34" charset="0"/>
-            </a:endParaRPr>
-          </a:p>
-          <a:p>
-            <a:pPr marL="800100" lvl="1" indent="-342900">
-              <a:buFont typeface="+mj-lt"/>
-              <a:buAutoNum type="alphaLcParenR"/>
-            </a:pPr>
-            <a:r>
-              <a:rPr lang="de-AT" sz="1400" dirty="0" err="1">
-                <a:latin typeface="Calibri" pitchFamily="34" charset="0"/>
-                <a:cs typeface="Calibri" pitchFamily="34" charset="0"/>
-              </a:rPr>
-              <a:t>Leave</a:t>
-            </a:r>
-            <a:r>
-              <a:rPr lang="de-AT" sz="1400" dirty="0">
-                <a:latin typeface="Calibri" pitchFamily="34" charset="0"/>
-                <a:cs typeface="Calibri" pitchFamily="34" charset="0"/>
-              </a:rPr>
-              <a:t> review</a:t>
-            </a:r>
-          </a:p>
-          <a:p>
-            <a:pPr marL="800100" lvl="1" indent="-342900">
-              <a:buFont typeface="+mj-lt"/>
-              <a:buAutoNum type="alphaLcParenR"/>
-            </a:pPr>
-            <a:r>
-              <a:rPr lang="de-AT" sz="1400" dirty="0" err="1">
-                <a:latin typeface="Calibri" pitchFamily="34" charset="0"/>
-                <a:cs typeface="Calibri" pitchFamily="34" charset="0"/>
-              </a:rPr>
-              <a:t>Leave</a:t>
-            </a:r>
-            <a:r>
-              <a:rPr lang="de-AT" sz="1400" dirty="0">
-                <a:latin typeface="Calibri" pitchFamily="34" charset="0"/>
-                <a:cs typeface="Calibri" pitchFamily="34" charset="0"/>
-              </a:rPr>
-              <a:t> </a:t>
-            </a:r>
-            <a:r>
-              <a:rPr lang="de-AT" sz="1400" dirty="0" err="1">
-                <a:latin typeface="Calibri" pitchFamily="34" charset="0"/>
-                <a:cs typeface="Calibri" pitchFamily="34" charset="0"/>
-              </a:rPr>
-              <a:t>question</a:t>
-            </a:r>
-            <a:r>
-              <a:rPr lang="de-AT" sz="1400" dirty="0">
-                <a:latin typeface="Calibri" pitchFamily="34" charset="0"/>
-                <a:cs typeface="Calibri" pitchFamily="34" charset="0"/>
-              </a:rPr>
-              <a:t> (</a:t>
-            </a:r>
-            <a:r>
-              <a:rPr lang="de-AT" sz="1400" dirty="0" err="1">
-                <a:latin typeface="Calibri" pitchFamily="34" charset="0"/>
-                <a:cs typeface="Calibri" pitchFamily="34" charset="0"/>
-              </a:rPr>
-              <a:t>other</a:t>
-            </a:r>
-            <a:r>
-              <a:rPr lang="de-AT" sz="1400" dirty="0">
-                <a:latin typeface="Calibri" pitchFamily="34" charset="0"/>
-                <a:cs typeface="Calibri" pitchFamily="34" charset="0"/>
-              </a:rPr>
-              <a:t> </a:t>
-            </a:r>
-            <a:r>
-              <a:rPr lang="de-AT" sz="1400" dirty="0" err="1">
-                <a:latin typeface="Calibri" pitchFamily="34" charset="0"/>
-                <a:cs typeface="Calibri" pitchFamily="34" charset="0"/>
-              </a:rPr>
-              <a:t>product</a:t>
-            </a:r>
-            <a:r>
-              <a:rPr lang="de-AT" sz="1400" dirty="0">
-                <a:latin typeface="Calibri" pitchFamily="34" charset="0"/>
-                <a:cs typeface="Calibri" pitchFamily="34" charset="0"/>
-              </a:rPr>
-              <a:t>)</a:t>
-            </a:r>
-          </a:p>
-          <a:p>
-            <a:endParaRPr lang="de-AT" sz="1400" dirty="0">
-              <a:latin typeface="Calibri" pitchFamily="34" charset="0"/>
-              <a:cs typeface="Calibri" pitchFamily="34" charset="0"/>
-            </a:endParaRPr>
-          </a:p>
-          <a:p>
-            <a:r>
-              <a:rPr lang="de-AT" sz="1400" dirty="0" err="1">
-                <a:latin typeface="Calibri" pitchFamily="34" charset="0"/>
-                <a:cs typeface="Calibri" pitchFamily="34" charset="0"/>
-              </a:rPr>
-              <a:t>Responsiveness</a:t>
-            </a:r>
             <a:endParaRPr lang="de-AT" sz="1400" dirty="0">
               <a:latin typeface="Calibri" pitchFamily="34" charset="0"/>
               <a:cs typeface="Calibri" pitchFamily="34" charset="0"/>

--- a/Presentation/Team-5_Project-Presentation.pptx
+++ b/Presentation/Team-5_Project-Presentation.pptx
@@ -119,7 +119,7 @@
   </p:defaultTextStyle>
   <p:extLst>
     <p:ext uri="{EFAFB233-063F-42B5-8137-9DF3F51BA10A}">
-      <p15:sldGuideLst xmlns:p15="http://schemas.microsoft.com/office/powerpoint/2012/main">
+      <p15:sldGuideLst xmlns:p15="http://schemas.microsoft.com/office/powerpoint/2012/main" xmlns="">
         <p15:guide id="1" orient="horz" pos="2160">
           <p15:clr>
             <a:srgbClr val="A4A3A4"/>
@@ -815,7 +815,7 @@
             <a:fld id="{21D42077-43FA-4EEB-B205-55F09D978688}" type="slidenum">
               <a:rPr lang="de-AT" smtClean="0"/>
               <a:pPr/>
-              <a:t>‹Nr.›</a:t>
+              <a:t>‹#›</a:t>
             </a:fld>
             <a:endParaRPr lang="de-AT"/>
           </a:p>
@@ -986,7 +986,7 @@
             <a:fld id="{21D42077-43FA-4EEB-B205-55F09D978688}" type="slidenum">
               <a:rPr lang="de-AT" smtClean="0"/>
               <a:pPr/>
-              <a:t>‹Nr.›</a:t>
+              <a:t>‹#›</a:t>
             </a:fld>
             <a:endParaRPr lang="de-AT"/>
           </a:p>
@@ -1162,7 +1162,7 @@
             <a:fld id="{21D42077-43FA-4EEB-B205-55F09D978688}" type="slidenum">
               <a:rPr lang="de-AT" smtClean="0"/>
               <a:pPr/>
-              <a:t>‹Nr.›</a:t>
+              <a:t>‹#›</a:t>
             </a:fld>
             <a:endParaRPr lang="de-AT"/>
           </a:p>
@@ -1306,7 +1306,7 @@
             <a:fld id="{21D42077-43FA-4EEB-B205-55F09D978688}" type="slidenum">
               <a:rPr lang="de-AT" smtClean="0"/>
               <a:pPr/>
-              <a:t>‹Nr.›</a:t>
+              <a:t>‹#›</a:t>
             </a:fld>
             <a:endParaRPr lang="de-AT"/>
           </a:p>
@@ -1553,7 +1553,7 @@
             <a:fld id="{21D42077-43FA-4EEB-B205-55F09D978688}" type="slidenum">
               <a:rPr lang="de-AT" smtClean="0"/>
               <a:pPr/>
-              <a:t>‹Nr.›</a:t>
+              <a:t>‹#›</a:t>
             </a:fld>
             <a:endParaRPr lang="de-AT"/>
           </a:p>
@@ -1954,7 +1954,7 @@
             <a:fld id="{21D42077-43FA-4EEB-B205-55F09D978688}" type="slidenum">
               <a:rPr lang="de-AT" smtClean="0"/>
               <a:pPr/>
-              <a:t>‹Nr.›</a:t>
+              <a:t>‹#›</a:t>
             </a:fld>
             <a:endParaRPr lang="de-AT"/>
           </a:p>
@@ -2392,7 +2392,7 @@
             <a:fld id="{21D42077-43FA-4EEB-B205-55F09D978688}" type="slidenum">
               <a:rPr lang="de-AT" smtClean="0"/>
               <a:pPr/>
-              <a:t>‹Nr.›</a:t>
+              <a:t>‹#›</a:t>
             </a:fld>
             <a:endParaRPr lang="de-AT"/>
           </a:p>
@@ -2489,7 +2489,7 @@
             <a:fld id="{21D42077-43FA-4EEB-B205-55F09D978688}" type="slidenum">
               <a:rPr lang="de-AT" smtClean="0"/>
               <a:pPr/>
-              <a:t>‹Nr.›</a:t>
+              <a:t>‹#›</a:t>
             </a:fld>
             <a:endParaRPr lang="de-AT"/>
           </a:p>
@@ -2603,7 +2603,7 @@
             <a:fld id="{21D42077-43FA-4EEB-B205-55F09D978688}" type="slidenum">
               <a:rPr lang="de-AT" smtClean="0"/>
               <a:pPr/>
-              <a:t>‹Nr.›</a:t>
+              <a:t>‹#›</a:t>
             </a:fld>
             <a:endParaRPr lang="de-AT"/>
           </a:p>
@@ -2872,7 +2872,7 @@
             <a:fld id="{21D42077-43FA-4EEB-B205-55F09D978688}" type="slidenum">
               <a:rPr lang="de-AT" smtClean="0"/>
               <a:pPr/>
-              <a:t>‹Nr.›</a:t>
+              <a:t>‹#›</a:t>
             </a:fld>
             <a:endParaRPr lang="de-AT"/>
           </a:p>
@@ -3098,7 +3098,7 @@
             <a:fld id="{21D42077-43FA-4EEB-B205-55F09D978688}" type="slidenum">
               <a:rPr lang="de-AT" smtClean="0"/>
               <a:pPr/>
-              <a:t>‹Nr.›</a:t>
+              <a:t>‹#›</a:t>
             </a:fld>
             <a:endParaRPr lang="de-AT"/>
           </a:p>
@@ -4197,7 +4197,7 @@
             <a:fld id="{21D42077-43FA-4EEB-B205-55F09D978688}" type="slidenum">
               <a:rPr lang="de-AT" smtClean="0"/>
               <a:pPr/>
-              <a:t>‹Nr.›</a:t>
+              <a:t>‹#›</a:t>
             </a:fld>
             <a:endParaRPr lang="de-AT"/>
           </a:p>
@@ -4608,7 +4608,7 @@
           <p:cNvPr id="4" name="TextBox 2">
             <a:extLst>
               <a:ext uri="{FF2B5EF4-FFF2-40B4-BE49-F238E27FC236}">
-                <a16:creationId xmlns:a16="http://schemas.microsoft.com/office/drawing/2014/main" id="{5E7B9A58-BB6A-4359-AD41-2E36AF4991A9}"/>
+                <a16:creationId xmlns:a16="http://schemas.microsoft.com/office/drawing/2014/main" xmlns="" id="{5E7B9A58-BB6A-4359-AD41-2E36AF4991A9}"/>
               </a:ext>
             </a:extLst>
           </p:cNvPr>
@@ -4618,7 +4618,7 @@
         <p:spPr>
           <a:xfrm>
             <a:off x="539552" y="332656"/>
-            <a:ext cx="7920880" cy="369332"/>
+            <a:ext cx="3312368" cy="830997"/>
           </a:xfrm>
           <a:prstGeom prst="rect">
             <a:avLst/>
@@ -4632,19 +4632,31 @@
           <a:lstStyle/>
           <a:p>
             <a:r>
-              <a:rPr lang="de-AT" dirty="0" err="1"/>
+              <a:rPr lang="de-AT" sz="2400" dirty="0" err="1">
+                <a:latin typeface="Double vision" pitchFamily="2" charset="0"/>
+                <a:ea typeface="Double vision" pitchFamily="2" charset="0"/>
+              </a:rPr>
               <a:t>Requirement</a:t>
             </a:r>
             <a:r>
-              <a:rPr lang="de-AT" dirty="0"/>
+              <a:rPr lang="de-AT" sz="2400" dirty="0">
+                <a:latin typeface="Double vision" pitchFamily="2" charset="0"/>
+                <a:ea typeface="Double vision" pitchFamily="2" charset="0"/>
+              </a:rPr>
               <a:t> </a:t>
             </a:r>
             <a:r>
-              <a:rPr lang="de-AT" dirty="0" err="1"/>
+              <a:rPr lang="de-AT" sz="2400" dirty="0" err="1">
+                <a:latin typeface="Double vision" pitchFamily="2" charset="0"/>
+                <a:ea typeface="Double vision" pitchFamily="2" charset="0"/>
+              </a:rPr>
               <a:t>Analyses</a:t>
             </a:r>
             <a:r>
-              <a:rPr lang="de-AT" dirty="0"/>
+              <a:rPr lang="de-AT" sz="2400" dirty="0">
+                <a:latin typeface="Double vision" pitchFamily="2" charset="0"/>
+                <a:ea typeface="Double vision" pitchFamily="2" charset="0"/>
+              </a:rPr>
               <a:t> - UML</a:t>
             </a:r>
           </a:p>
@@ -4655,7 +4667,7 @@
           <p:cNvPr id="5" name="Grafik 4">
             <a:extLst>
               <a:ext uri="{FF2B5EF4-FFF2-40B4-BE49-F238E27FC236}">
-                <a16:creationId xmlns:a16="http://schemas.microsoft.com/office/drawing/2014/main" id="{2DDE603D-C20A-404C-BC03-5F43A89BD1CD}"/>
+                <a16:creationId xmlns:a16="http://schemas.microsoft.com/office/drawing/2014/main" xmlns="" id="{2DDE603D-C20A-404C-BC03-5F43A89BD1CD}"/>
               </a:ext>
             </a:extLst>
           </p:cNvPr>
@@ -4665,7 +4677,7 @@
           <p:nvPr/>
         </p:nvPicPr>
         <p:blipFill>
-          <a:blip r:embed="rId2"/>
+          <a:blip r:embed="rId2" cstate="print"/>
           <a:stretch>
             <a:fillRect/>
           </a:stretch>
@@ -4683,7 +4695,7 @@
     </p:spTree>
     <p:extLst>
       <p:ext uri="{BB962C8B-B14F-4D97-AF65-F5344CB8AC3E}">
-        <p14:creationId xmlns:p14="http://schemas.microsoft.com/office/powerpoint/2010/main" val="1271962284"/>
+        <p14:creationId xmlns:p14="http://schemas.microsoft.com/office/powerpoint/2010/main" xmlns="" val="1271962284"/>
       </p:ext>
     </p:extLst>
   </p:cSld>
@@ -4719,7 +4731,7 @@
         <p:spPr>
           <a:xfrm>
             <a:off x="539552" y="1052736"/>
-            <a:ext cx="7920880" cy="369332"/>
+            <a:ext cx="4536504" cy="830997"/>
           </a:xfrm>
           <a:prstGeom prst="rect">
             <a:avLst/>
@@ -4733,8 +4745,25 @@
           <a:lstStyle/>
           <a:p>
             <a:r>
-              <a:rPr lang="de-AT" dirty="0"/>
-              <a:t>Design &amp; Layout Mockup (Adobe XD)</a:t>
+              <a:rPr lang="de-AT" sz="2400" dirty="0">
+                <a:latin typeface="Double vision" pitchFamily="2" charset="0"/>
+                <a:ea typeface="Double vision" pitchFamily="2" charset="0"/>
+              </a:rPr>
+              <a:t>Design &amp; Layout </a:t>
+            </a:r>
+            <a:r>
+              <a:rPr lang="de-AT" sz="2400" dirty="0" smtClean="0">
+                <a:latin typeface="Double vision" pitchFamily="2" charset="0"/>
+                <a:ea typeface="Double vision" pitchFamily="2" charset="0"/>
+              </a:rPr>
+              <a:t>Mockup (Adobe </a:t>
+            </a:r>
+            <a:r>
+              <a:rPr lang="de-AT" sz="2400" dirty="0">
+                <a:latin typeface="Double vision" pitchFamily="2" charset="0"/>
+                <a:ea typeface="Double vision" pitchFamily="2" charset="0"/>
+              </a:rPr>
+              <a:t>XD)</a:t>
             </a:r>
           </a:p>
         </p:txBody>
@@ -4744,7 +4773,7 @@
           <p:cNvPr id="4" name="Grafik 3">
             <a:extLst>
               <a:ext uri="{FF2B5EF4-FFF2-40B4-BE49-F238E27FC236}">
-                <a16:creationId xmlns:a16="http://schemas.microsoft.com/office/drawing/2014/main" id="{2A645B1C-0B26-4E79-AF37-BBCFE946F1B6}"/>
+                <a16:creationId xmlns:a16="http://schemas.microsoft.com/office/drawing/2014/main" xmlns="" id="{2A645B1C-0B26-4E79-AF37-BBCFE946F1B6}"/>
               </a:ext>
             </a:extLst>
           </p:cNvPr>
@@ -4754,7 +4783,7 @@
           <p:nvPr/>
         </p:nvPicPr>
         <p:blipFill>
-          <a:blip r:embed="rId2"/>
+          <a:blip r:embed="rId2" cstate="print"/>
           <a:stretch>
             <a:fillRect/>
           </a:stretch>
@@ -4774,7 +4803,7 @@
           <p:cNvPr id="7" name="Grafik 6">
             <a:extLst>
               <a:ext uri="{FF2B5EF4-FFF2-40B4-BE49-F238E27FC236}">
-                <a16:creationId xmlns:a16="http://schemas.microsoft.com/office/drawing/2014/main" id="{7F2CAFD4-96E0-4A24-95AB-A77BD516DA04}"/>
+                <a16:creationId xmlns:a16="http://schemas.microsoft.com/office/drawing/2014/main" xmlns="" id="{7F2CAFD4-96E0-4A24-95AB-A77BD516DA04}"/>
               </a:ext>
             </a:extLst>
           </p:cNvPr>
@@ -4784,7 +4813,7 @@
           <p:nvPr/>
         </p:nvPicPr>
         <p:blipFill>
-          <a:blip r:embed="rId3"/>
+          <a:blip r:embed="rId3" cstate="print"/>
           <a:stretch>
             <a:fillRect/>
           </a:stretch>
@@ -4804,7 +4833,7 @@
           <p:cNvPr id="9" name="Grafik 8">
             <a:extLst>
               <a:ext uri="{FF2B5EF4-FFF2-40B4-BE49-F238E27FC236}">
-                <a16:creationId xmlns:a16="http://schemas.microsoft.com/office/drawing/2014/main" id="{ED12D72F-E099-46B0-A2D4-2D85B18FCCD7}"/>
+                <a16:creationId xmlns:a16="http://schemas.microsoft.com/office/drawing/2014/main" xmlns="" id="{ED12D72F-E099-46B0-A2D4-2D85B18FCCD7}"/>
               </a:ext>
             </a:extLst>
           </p:cNvPr>
@@ -4814,7 +4843,7 @@
           <p:nvPr/>
         </p:nvPicPr>
         <p:blipFill>
-          <a:blip r:embed="rId4"/>
+          <a:blip r:embed="rId4" cstate="print"/>
           <a:stretch>
             <a:fillRect/>
           </a:stretch>
@@ -4834,7 +4863,7 @@
           <p:cNvPr id="5" name="Grafik 4">
             <a:extLst>
               <a:ext uri="{FF2B5EF4-FFF2-40B4-BE49-F238E27FC236}">
-                <a16:creationId xmlns:a16="http://schemas.microsoft.com/office/drawing/2014/main" id="{C7DA777A-8E08-441E-B67F-682FBE876640}"/>
+                <a16:creationId xmlns:a16="http://schemas.microsoft.com/office/drawing/2014/main" xmlns="" id="{C7DA777A-8E08-441E-B67F-682FBE876640}"/>
               </a:ext>
             </a:extLst>
           </p:cNvPr>
@@ -4844,7 +4873,7 @@
           <p:nvPr/>
         </p:nvPicPr>
         <p:blipFill>
-          <a:blip r:embed="rId5"/>
+          <a:blip r:embed="rId5" cstate="print"/>
           <a:stretch>
             <a:fillRect/>
           </a:stretch>
@@ -4864,7 +4893,7 @@
           <p:cNvPr id="8" name="Grafik 7">
             <a:extLst>
               <a:ext uri="{FF2B5EF4-FFF2-40B4-BE49-F238E27FC236}">
-                <a16:creationId xmlns:a16="http://schemas.microsoft.com/office/drawing/2014/main" id="{0F6B0960-F033-40C8-988A-C1E4770FA68F}"/>
+                <a16:creationId xmlns:a16="http://schemas.microsoft.com/office/drawing/2014/main" xmlns="" id="{0F6B0960-F033-40C8-988A-C1E4770FA68F}"/>
               </a:ext>
             </a:extLst>
           </p:cNvPr>
@@ -4874,7 +4903,7 @@
           <p:nvPr/>
         </p:nvPicPr>
         <p:blipFill>
-          <a:blip r:embed="rId6"/>
+          <a:blip r:embed="rId6" cstate="print"/>
           <a:stretch>
             <a:fillRect/>
           </a:stretch>
@@ -4892,7 +4921,7 @@
     </p:spTree>
     <p:extLst>
       <p:ext uri="{BB962C8B-B14F-4D97-AF65-F5344CB8AC3E}">
-        <p14:creationId xmlns:p14="http://schemas.microsoft.com/office/powerpoint/2010/main" val="582959117"/>
+        <p14:creationId xmlns:p14="http://schemas.microsoft.com/office/powerpoint/2010/main" xmlns="" val="582959117"/>
       </p:ext>
     </p:extLst>
   </p:cSld>
@@ -5753,7 +5782,7 @@
           <p:cNvPr id="5" name="TextBox 3">
             <a:extLst>
               <a:ext uri="{FF2B5EF4-FFF2-40B4-BE49-F238E27FC236}">
-                <a16:creationId xmlns:a16="http://schemas.microsoft.com/office/drawing/2014/main" id="{F5994B00-C7D4-457B-A5F3-5C9DC0F2F48F}"/>
+                <a16:creationId xmlns:a16="http://schemas.microsoft.com/office/drawing/2014/main" xmlns="" id="{F5994B00-C7D4-457B-A5F3-5C9DC0F2F48F}"/>
               </a:ext>
             </a:extLst>
           </p:cNvPr>
@@ -6437,7 +6466,7 @@
           <p:cNvPr id="5" name="Grafik 4">
             <a:extLst>
               <a:ext uri="{FF2B5EF4-FFF2-40B4-BE49-F238E27FC236}">
-                <a16:creationId xmlns:a16="http://schemas.microsoft.com/office/drawing/2014/main" id="{33D390FD-408A-4D8E-BFB7-35971BA97F4E}"/>
+                <a16:creationId xmlns:a16="http://schemas.microsoft.com/office/drawing/2014/main" xmlns="" id="{33D390FD-408A-4D8E-BFB7-35971BA97F4E}"/>
               </a:ext>
             </a:extLst>
           </p:cNvPr>
@@ -6468,7 +6497,7 @@
           <p:cNvPr id="7" name="Rechteck 6">
             <a:extLst>
               <a:ext uri="{FF2B5EF4-FFF2-40B4-BE49-F238E27FC236}">
-                <a16:creationId xmlns:a16="http://schemas.microsoft.com/office/drawing/2014/main" id="{E75A2089-2C3D-40FA-B66C-B18D24197C0C}"/>
+                <a16:creationId xmlns:a16="http://schemas.microsoft.com/office/drawing/2014/main" xmlns="" id="{E75A2089-2C3D-40FA-B66C-B18D24197C0C}"/>
               </a:ext>
             </a:extLst>
           </p:cNvPr>
@@ -6756,7 +6785,7 @@
           <p:cNvPr id="5" name="TextBox 3">
             <a:extLst>
               <a:ext uri="{FF2B5EF4-FFF2-40B4-BE49-F238E27FC236}">
-                <a16:creationId xmlns:a16="http://schemas.microsoft.com/office/drawing/2014/main" id="{02CC2674-3593-4D09-A154-BEE87A7DAD17}"/>
+                <a16:creationId xmlns:a16="http://schemas.microsoft.com/office/drawing/2014/main" xmlns="" id="{02CC2674-3593-4D09-A154-BEE87A7DAD17}"/>
               </a:ext>
             </a:extLst>
           </p:cNvPr>
@@ -6877,7 +6906,7 @@
           <p:cNvPr id="6" name="TextBox 3">
             <a:extLst>
               <a:ext uri="{FF2B5EF4-FFF2-40B4-BE49-F238E27FC236}">
-                <a16:creationId xmlns:a16="http://schemas.microsoft.com/office/drawing/2014/main" id="{49185D6F-216F-4CE7-88C5-E0756E9FAC46}"/>
+                <a16:creationId xmlns:a16="http://schemas.microsoft.com/office/drawing/2014/main" xmlns="" id="{49185D6F-216F-4CE7-88C5-E0756E9FAC46}"/>
               </a:ext>
             </a:extLst>
           </p:cNvPr>
@@ -7051,7 +7080,7 @@
           <p:cNvPr id="7" name="TextBox 3">
             <a:extLst>
               <a:ext uri="{FF2B5EF4-FFF2-40B4-BE49-F238E27FC236}">
-                <a16:creationId xmlns:a16="http://schemas.microsoft.com/office/drawing/2014/main" id="{E41049B7-DE2F-4703-A7A1-C68B97CA2E22}"/>
+                <a16:creationId xmlns:a16="http://schemas.microsoft.com/office/drawing/2014/main" xmlns="" id="{E41049B7-DE2F-4703-A7A1-C68B97CA2E22}"/>
               </a:ext>
             </a:extLst>
           </p:cNvPr>
@@ -7227,7 +7256,7 @@
           <p:cNvPr id="6" name="Grafik 5">
             <a:extLst>
               <a:ext uri="{FF2B5EF4-FFF2-40B4-BE49-F238E27FC236}">
-                <a16:creationId xmlns:a16="http://schemas.microsoft.com/office/drawing/2014/main" id="{F772A399-1A42-428F-93D1-91E8E715FC81}"/>
+                <a16:creationId xmlns:a16="http://schemas.microsoft.com/office/drawing/2014/main" xmlns="" id="{F772A399-1A42-428F-93D1-91E8E715FC81}"/>
               </a:ext>
             </a:extLst>
           </p:cNvPr>
@@ -7237,7 +7266,7 @@
           <p:nvPr/>
         </p:nvPicPr>
         <p:blipFill>
-          <a:blip r:embed="rId2"/>
+          <a:blip r:embed="rId2" cstate="print"/>
           <a:stretch>
             <a:fillRect/>
           </a:stretch>
@@ -7286,7 +7315,7 @@
         <p:spPr>
           <a:xfrm>
             <a:off x="539552" y="332656"/>
-            <a:ext cx="7920880" cy="369332"/>
+            <a:ext cx="7920880" cy="461665"/>
           </a:xfrm>
           <a:prstGeom prst="rect">
             <a:avLst/>
@@ -7300,19 +7329,31 @@
           <a:lstStyle/>
           <a:p>
             <a:r>
-              <a:rPr lang="de-AT" dirty="0" err="1"/>
+              <a:rPr lang="de-AT" sz="2400" dirty="0" err="1">
+                <a:latin typeface="Double vision" pitchFamily="2" charset="0"/>
+                <a:ea typeface="Double vision" pitchFamily="2" charset="0"/>
+              </a:rPr>
               <a:t>Requirement</a:t>
             </a:r>
             <a:r>
-              <a:rPr lang="de-AT" dirty="0"/>
+              <a:rPr lang="de-AT" sz="2400" dirty="0">
+                <a:latin typeface="Double vision" pitchFamily="2" charset="0"/>
+                <a:ea typeface="Double vision" pitchFamily="2" charset="0"/>
+              </a:rPr>
               <a:t> </a:t>
             </a:r>
             <a:r>
-              <a:rPr lang="de-AT" dirty="0" err="1"/>
+              <a:rPr lang="de-AT" sz="2400" dirty="0" err="1">
+                <a:latin typeface="Double vision" pitchFamily="2" charset="0"/>
+                <a:ea typeface="Double vision" pitchFamily="2" charset="0"/>
+              </a:rPr>
               <a:t>Analyses</a:t>
             </a:r>
             <a:r>
-              <a:rPr lang="de-AT" dirty="0"/>
+              <a:rPr lang="de-AT" sz="2400" dirty="0">
+                <a:latin typeface="Double vision" pitchFamily="2" charset="0"/>
+                <a:ea typeface="Double vision" pitchFamily="2" charset="0"/>
+              </a:rPr>
               <a:t> - Brainstorming</a:t>
             </a:r>
           </a:p>
@@ -7323,7 +7364,7 @@
           <p:cNvPr id="5" name="Grafik 4">
             <a:extLst>
               <a:ext uri="{FF2B5EF4-FFF2-40B4-BE49-F238E27FC236}">
-                <a16:creationId xmlns:a16="http://schemas.microsoft.com/office/drawing/2014/main" id="{21F77B89-2FC3-461F-8784-F338F68FCDA0}"/>
+                <a16:creationId xmlns:a16="http://schemas.microsoft.com/office/drawing/2014/main" xmlns="" id="{21F77B89-2FC3-461F-8784-F338F68FCDA0}"/>
               </a:ext>
             </a:extLst>
           </p:cNvPr>
@@ -7333,7 +7374,7 @@
           <p:nvPr/>
         </p:nvPicPr>
         <p:blipFill>
-          <a:blip r:embed="rId2"/>
+          <a:blip r:embed="rId2" cstate="print"/>
           <a:stretch>
             <a:fillRect/>
           </a:stretch>
@@ -7378,7 +7419,7 @@
           <p:cNvPr id="3" name="TextBox 2">
             <a:extLst>
               <a:ext uri="{FF2B5EF4-FFF2-40B4-BE49-F238E27FC236}">
-                <a16:creationId xmlns:a16="http://schemas.microsoft.com/office/drawing/2014/main" id="{3BDB8F40-66A8-4108-8C3B-6D4B76971F15}"/>
+                <a16:creationId xmlns:a16="http://schemas.microsoft.com/office/drawing/2014/main" xmlns="" id="{3BDB8F40-66A8-4108-8C3B-6D4B76971F15}"/>
               </a:ext>
             </a:extLst>
           </p:cNvPr>
@@ -7388,7 +7429,7 @@
         <p:spPr>
           <a:xfrm>
             <a:off x="539552" y="332656"/>
-            <a:ext cx="7920880" cy="369332"/>
+            <a:ext cx="7920880" cy="461665"/>
           </a:xfrm>
           <a:prstGeom prst="rect">
             <a:avLst/>
@@ -7402,19 +7443,31 @@
           <a:lstStyle/>
           <a:p>
             <a:r>
-              <a:rPr lang="de-AT" dirty="0" err="1"/>
+              <a:rPr lang="de-AT" sz="2400" dirty="0" err="1">
+                <a:latin typeface="Double vision" pitchFamily="2" charset="0"/>
+                <a:ea typeface="Double vision" pitchFamily="2" charset="0"/>
+              </a:rPr>
               <a:t>Requirement</a:t>
             </a:r>
             <a:r>
-              <a:rPr lang="de-AT" dirty="0"/>
+              <a:rPr lang="de-AT" sz="2400" dirty="0">
+                <a:latin typeface="Double vision" pitchFamily="2" charset="0"/>
+                <a:ea typeface="Double vision" pitchFamily="2" charset="0"/>
+              </a:rPr>
               <a:t> </a:t>
             </a:r>
             <a:r>
-              <a:rPr lang="de-AT" dirty="0" err="1"/>
+              <a:rPr lang="de-AT" sz="2400" dirty="0" err="1">
+                <a:latin typeface="Double vision" pitchFamily="2" charset="0"/>
+                <a:ea typeface="Double vision" pitchFamily="2" charset="0"/>
+              </a:rPr>
               <a:t>Analyses</a:t>
             </a:r>
             <a:r>
-              <a:rPr lang="de-AT" dirty="0"/>
+              <a:rPr lang="de-AT" sz="2400" dirty="0">
+                <a:latin typeface="Double vision" pitchFamily="2" charset="0"/>
+                <a:ea typeface="Double vision" pitchFamily="2" charset="0"/>
+              </a:rPr>
               <a:t> – User Story</a:t>
             </a:r>
           </a:p>
@@ -7425,7 +7478,7 @@
           <p:cNvPr id="5" name="Grafik 4">
             <a:extLst>
               <a:ext uri="{FF2B5EF4-FFF2-40B4-BE49-F238E27FC236}">
-                <a16:creationId xmlns:a16="http://schemas.microsoft.com/office/drawing/2014/main" id="{D0011BC4-5573-49A2-A461-1C774587B999}"/>
+                <a16:creationId xmlns:a16="http://schemas.microsoft.com/office/drawing/2014/main" xmlns="" id="{D0011BC4-5573-49A2-A461-1C774587B999}"/>
               </a:ext>
             </a:extLst>
           </p:cNvPr>
@@ -7435,7 +7488,7 @@
           <p:nvPr/>
         </p:nvPicPr>
         <p:blipFill>
-          <a:blip r:embed="rId2"/>
+          <a:blip r:embed="rId2" cstate="print"/>
           <a:stretch>
             <a:fillRect/>
           </a:stretch>
@@ -7453,7 +7506,7 @@
     </p:spTree>
     <p:extLst>
       <p:ext uri="{BB962C8B-B14F-4D97-AF65-F5344CB8AC3E}">
-        <p14:creationId xmlns:p14="http://schemas.microsoft.com/office/powerpoint/2010/main" val="3777892334"/>
+        <p14:creationId xmlns:p14="http://schemas.microsoft.com/office/powerpoint/2010/main" xmlns="" val="3777892334"/>
       </p:ext>
     </p:extLst>
   </p:cSld>
@@ -7485,7 +7538,7 @@
           <p:cNvPr id="3" name="Grafik 2">
             <a:extLst>
               <a:ext uri="{FF2B5EF4-FFF2-40B4-BE49-F238E27FC236}">
-                <a16:creationId xmlns:a16="http://schemas.microsoft.com/office/drawing/2014/main" id="{1F835DF1-8AE7-4BE2-878E-4FAAE78C2652}"/>
+                <a16:creationId xmlns:a16="http://schemas.microsoft.com/office/drawing/2014/main" xmlns="" id="{1F835DF1-8AE7-4BE2-878E-4FAAE78C2652}"/>
               </a:ext>
             </a:extLst>
           </p:cNvPr>
@@ -7495,7 +7548,7 @@
           <p:nvPr/>
         </p:nvPicPr>
         <p:blipFill>
-          <a:blip r:embed="rId2"/>
+          <a:blip r:embed="rId2" cstate="print"/>
           <a:stretch>
             <a:fillRect/>
           </a:stretch>
@@ -7515,7 +7568,7 @@
           <p:cNvPr id="4" name="TextBox 2">
             <a:extLst>
               <a:ext uri="{FF2B5EF4-FFF2-40B4-BE49-F238E27FC236}">
-                <a16:creationId xmlns:a16="http://schemas.microsoft.com/office/drawing/2014/main" id="{0CD39CB2-0FFA-4F47-89CD-64BD3DA89EFA}"/>
+                <a16:creationId xmlns:a16="http://schemas.microsoft.com/office/drawing/2014/main" xmlns="" id="{0CD39CB2-0FFA-4F47-89CD-64BD3DA89EFA}"/>
               </a:ext>
             </a:extLst>
           </p:cNvPr>
@@ -7525,7 +7578,7 @@
         <p:spPr>
           <a:xfrm>
             <a:off x="539552" y="332656"/>
-            <a:ext cx="7920880" cy="369332"/>
+            <a:ext cx="7920880" cy="461665"/>
           </a:xfrm>
           <a:prstGeom prst="rect">
             <a:avLst/>
@@ -7539,19 +7592,31 @@
           <a:lstStyle/>
           <a:p>
             <a:r>
-              <a:rPr lang="de-AT" dirty="0" err="1"/>
+              <a:rPr lang="de-AT" sz="2400" dirty="0" err="1">
+                <a:latin typeface="Double vision" pitchFamily="2" charset="0"/>
+                <a:ea typeface="Double vision" pitchFamily="2" charset="0"/>
+              </a:rPr>
               <a:t>Requirement</a:t>
             </a:r>
             <a:r>
-              <a:rPr lang="de-AT" dirty="0"/>
+              <a:rPr lang="de-AT" sz="2400" dirty="0">
+                <a:latin typeface="Double vision" pitchFamily="2" charset="0"/>
+                <a:ea typeface="Double vision" pitchFamily="2" charset="0"/>
+              </a:rPr>
               <a:t> </a:t>
             </a:r>
             <a:r>
-              <a:rPr lang="de-AT" dirty="0" err="1"/>
+              <a:rPr lang="de-AT" sz="2400" dirty="0" err="1">
+                <a:latin typeface="Double vision" pitchFamily="2" charset="0"/>
+                <a:ea typeface="Double vision" pitchFamily="2" charset="0"/>
+              </a:rPr>
               <a:t>Analyses</a:t>
             </a:r>
             <a:r>
-              <a:rPr lang="de-AT" dirty="0"/>
+              <a:rPr lang="de-AT" sz="2400" dirty="0">
+                <a:latin typeface="Double vision" pitchFamily="2" charset="0"/>
+                <a:ea typeface="Double vision" pitchFamily="2" charset="0"/>
+              </a:rPr>
               <a:t> - ERD</a:t>
             </a:r>
           </a:p>
@@ -7560,7 +7625,7 @@
     </p:spTree>
     <p:extLst>
       <p:ext uri="{BB962C8B-B14F-4D97-AF65-F5344CB8AC3E}">
-        <p14:creationId xmlns:p14="http://schemas.microsoft.com/office/powerpoint/2010/main" val="3429306032"/>
+        <p14:creationId xmlns:p14="http://schemas.microsoft.com/office/powerpoint/2010/main" xmlns="" val="3429306032"/>
       </p:ext>
     </p:extLst>
   </p:cSld>
@@ -7592,7 +7657,7 @@
           <p:cNvPr id="4" name="TextBox 2">
             <a:extLst>
               <a:ext uri="{FF2B5EF4-FFF2-40B4-BE49-F238E27FC236}">
-                <a16:creationId xmlns:a16="http://schemas.microsoft.com/office/drawing/2014/main" id="{09F9E1AA-6955-486A-8FD7-6312D4725CB2}"/>
+                <a16:creationId xmlns:a16="http://schemas.microsoft.com/office/drawing/2014/main" xmlns="" id="{09F9E1AA-6955-486A-8FD7-6312D4725CB2}"/>
               </a:ext>
             </a:extLst>
           </p:cNvPr>
@@ -7602,7 +7667,7 @@
         <p:spPr>
           <a:xfrm>
             <a:off x="539552" y="332656"/>
-            <a:ext cx="7920880" cy="369332"/>
+            <a:ext cx="7920880" cy="461665"/>
           </a:xfrm>
           <a:prstGeom prst="rect">
             <a:avLst/>
@@ -7616,19 +7681,31 @@
           <a:lstStyle/>
           <a:p>
             <a:r>
-              <a:rPr lang="de-AT" dirty="0" err="1"/>
+              <a:rPr lang="de-AT" sz="2400" dirty="0" err="1">
+                <a:latin typeface="Double vision" pitchFamily="2" charset="0"/>
+                <a:ea typeface="Double vision" pitchFamily="2" charset="0"/>
+              </a:rPr>
               <a:t>Requirement</a:t>
             </a:r>
             <a:r>
-              <a:rPr lang="de-AT" dirty="0"/>
+              <a:rPr lang="de-AT" sz="2400" dirty="0">
+                <a:latin typeface="Double vision" pitchFamily="2" charset="0"/>
+                <a:ea typeface="Double vision" pitchFamily="2" charset="0"/>
+              </a:rPr>
               <a:t> </a:t>
             </a:r>
             <a:r>
-              <a:rPr lang="de-AT" dirty="0" err="1"/>
+              <a:rPr lang="de-AT" sz="2400" dirty="0" err="1">
+                <a:latin typeface="Double vision" pitchFamily="2" charset="0"/>
+                <a:ea typeface="Double vision" pitchFamily="2" charset="0"/>
+              </a:rPr>
               <a:t>Analyses</a:t>
             </a:r>
             <a:r>
-              <a:rPr lang="de-AT" dirty="0"/>
+              <a:rPr lang="de-AT" sz="2400" dirty="0">
+                <a:latin typeface="Double vision" pitchFamily="2" charset="0"/>
+                <a:ea typeface="Double vision" pitchFamily="2" charset="0"/>
+              </a:rPr>
               <a:t> - ERD</a:t>
             </a:r>
           </a:p>
@@ -7639,7 +7716,7 @@
           <p:cNvPr id="5" name="Grafik 4">
             <a:extLst>
               <a:ext uri="{FF2B5EF4-FFF2-40B4-BE49-F238E27FC236}">
-                <a16:creationId xmlns:a16="http://schemas.microsoft.com/office/drawing/2014/main" id="{5F08CA6F-8CB9-4F4A-8B9E-AC7E1277F62C}"/>
+                <a16:creationId xmlns:a16="http://schemas.microsoft.com/office/drawing/2014/main" xmlns="" id="{5F08CA6F-8CB9-4F4A-8B9E-AC7E1277F62C}"/>
               </a:ext>
             </a:extLst>
           </p:cNvPr>
@@ -7649,7 +7726,7 @@
           <p:nvPr/>
         </p:nvPicPr>
         <p:blipFill>
-          <a:blip r:embed="rId2"/>
+          <a:blip r:embed="rId2" cstate="print"/>
           <a:stretch>
             <a:fillRect/>
           </a:stretch>
@@ -7669,7 +7746,7 @@
           <p:cNvPr id="7" name="Grafik 6">
             <a:extLst>
               <a:ext uri="{FF2B5EF4-FFF2-40B4-BE49-F238E27FC236}">
-                <a16:creationId xmlns:a16="http://schemas.microsoft.com/office/drawing/2014/main" id="{AB1B299A-EBE5-49CC-807E-01520697F921}"/>
+                <a16:creationId xmlns:a16="http://schemas.microsoft.com/office/drawing/2014/main" xmlns="" id="{AB1B299A-EBE5-49CC-807E-01520697F921}"/>
               </a:ext>
             </a:extLst>
           </p:cNvPr>
@@ -7679,7 +7756,7 @@
           <p:nvPr/>
         </p:nvPicPr>
         <p:blipFill>
-          <a:blip r:embed="rId3"/>
+          <a:blip r:embed="rId3" cstate="print"/>
           <a:stretch>
             <a:fillRect/>
           </a:stretch>
@@ -7697,7 +7774,7 @@
     </p:spTree>
     <p:extLst>
       <p:ext uri="{BB962C8B-B14F-4D97-AF65-F5344CB8AC3E}">
-        <p14:creationId xmlns:p14="http://schemas.microsoft.com/office/powerpoint/2010/main" val="3444067959"/>
+        <p14:creationId xmlns:p14="http://schemas.microsoft.com/office/powerpoint/2010/main" xmlns="" val="3444067959"/>
       </p:ext>
     </p:extLst>
   </p:cSld>
